--- a/IBFE Lectures/3-IBFE 3D Flow Past Objects.pptx
+++ b/IBFE Lectures/3-IBFE 3D Flow Past Objects.pptx
@@ -20,8 +20,8 @@
     <p:sldId id="265" r:id="rId11"/>
     <p:sldId id="266" r:id="rId12"/>
     <p:sldId id="267" r:id="rId13"/>
-    <p:sldId id="268" r:id="rId14"/>
-    <p:sldId id="269" r:id="rId15"/>
+    <p:sldId id="269" r:id="rId14"/>
+    <p:sldId id="272" r:id="rId15"/>
     <p:sldId id="270" r:id="rId16"/>
     <p:sldId id="271" r:id="rId17"/>
   </p:sldIdLst>
@@ -256,6 +256,11 @@
       </a:defRPr>
     </a:lvl9pPr>
   </p:defaultTextStyle>
+  <p:extLst>
+    <p:ext uri="{EFAFB233-063F-42B5-8137-9DF3F51BA10A}">
+      <p15:sldGuideLst xmlns:p15="http://schemas.microsoft.com/office/powerpoint/2012/main"/>
+    </p:ext>
+  </p:extLst>
 </p:presentation>
 </file>
 
@@ -1121,110 +1126,6 @@
   <p:cSld>
     <p:spTree>
       <p:nvGrpSpPr>
-        <p:cNvPr id="1" name="Shape 131"/>
-        <p:cNvGrpSpPr/>
-        <p:nvPr/>
-      </p:nvGrpSpPr>
-      <p:grpSpPr>
-        <a:xfrm>
-          <a:off x="0" y="0"/>
-          <a:ext cx="0" cy="0"/>
-          <a:chOff x="0" y="0"/>
-          <a:chExt cx="0" cy="0"/>
-        </a:xfrm>
-      </p:grpSpPr>
-      <p:sp>
-        <p:nvSpPr>
-          <p:cNvPr id="132" name="Google Shape;132;g1cdf9cce50_1_1:notes"/>
-          <p:cNvSpPr>
-            <a:spLocks noGrp="1" noRot="1" noChangeAspect="1"/>
-          </p:cNvSpPr>
-          <p:nvPr>
-            <p:ph type="sldImg" idx="2"/>
-          </p:nvPr>
-        </p:nvSpPr>
-        <p:spPr>
-          <a:xfrm>
-            <a:off x="381000" y="685800"/>
-            <a:ext cx="6096000" cy="3429000"/>
-          </a:xfrm>
-          <a:custGeom>
-            <a:avLst/>
-            <a:gdLst/>
-            <a:ahLst/>
-            <a:cxnLst/>
-            <a:rect l="l" t="t" r="r" b="b"/>
-            <a:pathLst>
-              <a:path w="120000" h="120000" extrusionOk="0">
-                <a:moveTo>
-                  <a:pt x="0" y="0"/>
-                </a:moveTo>
-                <a:lnTo>
-                  <a:pt x="120000" y="0"/>
-                </a:lnTo>
-                <a:lnTo>
-                  <a:pt x="120000" y="120000"/>
-                </a:lnTo>
-                <a:lnTo>
-                  <a:pt x="0" y="120000"/>
-                </a:lnTo>
-                <a:close/>
-              </a:path>
-            </a:pathLst>
-          </a:custGeom>
-        </p:spPr>
-      </p:sp>
-      <p:sp>
-        <p:nvSpPr>
-          <p:cNvPr id="133" name="Google Shape;133;g1cdf9cce50_1_1:notes"/>
-          <p:cNvSpPr txBox="1">
-            <a:spLocks noGrp="1"/>
-          </p:cNvSpPr>
-          <p:nvPr>
-            <p:ph type="body" idx="1"/>
-          </p:nvPr>
-        </p:nvSpPr>
-        <p:spPr>
-          <a:xfrm>
-            <a:off x="685800" y="4343400"/>
-            <a:ext cx="5486400" cy="4114800"/>
-          </a:xfrm>
-          <a:prstGeom prst="rect">
-            <a:avLst/>
-          </a:prstGeom>
-        </p:spPr>
-        <p:txBody>
-          <a:bodyPr spcFirstLastPara="1" wrap="square" lIns="91425" tIns="91425" rIns="91425" bIns="91425" anchor="t" anchorCtr="0">
-            <a:noAutofit/>
-          </a:bodyPr>
-          <a:lstStyle/>
-          <a:p>
-            <a:pPr marL="0" lvl="0" indent="0" algn="l" rtl="0">
-              <a:spcBef>
-                <a:spcPts val="0"/>
-              </a:spcBef>
-              <a:spcAft>
-                <a:spcPts val="0"/>
-              </a:spcAft>
-              <a:buNone/>
-            </a:pPr>
-            <a:endParaRPr/>
-          </a:p>
-        </p:txBody>
-      </p:sp>
-    </p:spTree>
-  </p:cSld>
-  <p:clrMapOvr>
-    <a:masterClrMapping/>
-  </p:clrMapOvr>
-</p:notes>
-</file>
-
-<file path=ppt/notesSlides/notesSlide14.xml><?xml version="1.0" encoding="utf-8"?>
-<p:notes xmlns:a="http://schemas.openxmlformats.org/drawingml/2006/main" xmlns:r="http://schemas.openxmlformats.org/officeDocument/2006/relationships" xmlns:p="http://schemas.openxmlformats.org/presentationml/2006/main" showMasterSp="0" showMasterPhAnim="0">
-  <p:cSld>
-    <p:spTree>
-      <p:nvGrpSpPr>
         <p:cNvPr id="1" name="Shape 137"/>
         <p:cNvGrpSpPr/>
         <p:nvPr/>
@@ -1324,7 +1225,7 @@
 </p:notes>
 </file>
 
-<file path=ppt/notesSlides/notesSlide15.xml><?xml version="1.0" encoding="utf-8"?>
+<file path=ppt/notesSlides/notesSlide14.xml><?xml version="1.0" encoding="utf-8"?>
 <p:notes xmlns:a="http://schemas.openxmlformats.org/drawingml/2006/main" xmlns:r="http://schemas.openxmlformats.org/officeDocument/2006/relationships" xmlns:p="http://schemas.openxmlformats.org/presentationml/2006/main" showMasterSp="0" showMasterPhAnim="0">
   <p:cSld>
     <p:spTree>
@@ -1428,7 +1329,7 @@
 </p:notes>
 </file>
 
-<file path=ppt/notesSlides/notesSlide16.xml><?xml version="1.0" encoding="utf-8"?>
+<file path=ppt/notesSlides/notesSlide15.xml><?xml version="1.0" encoding="utf-8"?>
 <p:notes xmlns:a="http://schemas.openxmlformats.org/drawingml/2006/main" xmlns:r="http://schemas.openxmlformats.org/officeDocument/2006/relationships" xmlns:p="http://schemas.openxmlformats.org/presentationml/2006/main" showMasterSp="0" showMasterPhAnim="0">
   <p:cSld>
     <p:spTree>
@@ -7657,10 +7558,21 @@
               <a:buChar char="●"/>
             </a:pPr>
             <a:r>
-              <a:rPr lang="en"/>
-              <a:t>In this example, the mesh name is given in the input3d file. [LM: the mesh name also appears in the main.C file, but I think those lines are obsolete, will check]. </a:t>
-            </a:r>
-            <a:endParaRPr/>
+              <a:rPr lang="en" dirty="0"/>
+              <a:t>In this example, the mesh name is given in </a:t>
+            </a:r>
+            <a:r>
+              <a:rPr lang="en" dirty="0" smtClean="0"/>
+              <a:t>both the </a:t>
+            </a:r>
+            <a:r>
+              <a:rPr lang="en" dirty="0"/>
+              <a:t>input3d </a:t>
+            </a:r>
+            <a:r>
+              <a:rPr lang="en" dirty="0" smtClean="0"/>
+              <a:t>file and the main.C file. </a:t>
+            </a:r>
           </a:p>
           <a:p>
             <a:pPr marL="457200" lvl="0" indent="-342900" algn="l" rtl="0">
@@ -7674,10 +7586,14 @@
               <a:buChar char="●"/>
             </a:pPr>
             <a:r>
-              <a:rPr lang="en"/>
-              <a:t>Re is modified by updating the viscosity accordingly.</a:t>
-            </a:r>
-            <a:endParaRPr/>
+              <a:rPr lang="en" dirty="0" smtClean="0"/>
+              <a:t>Re </a:t>
+            </a:r>
+            <a:r>
+              <a:rPr lang="en" dirty="0"/>
+              <a:t>is modified by updating the viscosity accordingly.</a:t>
+            </a:r>
+            <a:endParaRPr dirty="0"/>
           </a:p>
           <a:p>
             <a:pPr marL="457200" lvl="0" indent="-342900" algn="l" rtl="0">
@@ -7691,10 +7607,10 @@
               <a:buChar char="●"/>
             </a:pPr>
             <a:r>
-              <a:rPr lang="en"/>
+              <a:rPr lang="en" dirty="0"/>
               <a:t>Flow ramps up from 0 m/s at t = 0 and moves in the x-direction.</a:t>
             </a:r>
-            <a:endParaRPr/>
+            <a:endParaRPr dirty="0"/>
           </a:p>
           <a:p>
             <a:pPr marL="0" lvl="0" indent="0" algn="l" rtl="0">
@@ -7706,7 +7622,7 @@
               </a:spcAft>
               <a:buNone/>
             </a:pPr>
-            <a:endParaRPr/>
+            <a:endParaRPr dirty="0"/>
           </a:p>
         </p:txBody>
       </p:sp>
@@ -7719,220 +7635,6 @@
 </file>
 
 <file path=ppt/slides/slide13.xml><?xml version="1.0" encoding="utf-8"?>
-<p:sld xmlns:a="http://schemas.openxmlformats.org/drawingml/2006/main" xmlns:r="http://schemas.openxmlformats.org/officeDocument/2006/relationships" xmlns:p="http://schemas.openxmlformats.org/presentationml/2006/main">
-  <p:cSld>
-    <p:spTree>
-      <p:nvGrpSpPr>
-        <p:cNvPr id="1" name="Shape 134"/>
-        <p:cNvGrpSpPr/>
-        <p:nvPr/>
-      </p:nvGrpSpPr>
-      <p:grpSpPr>
-        <a:xfrm>
-          <a:off x="0" y="0"/>
-          <a:ext cx="0" cy="0"/>
-          <a:chOff x="0" y="0"/>
-          <a:chExt cx="0" cy="0"/>
-        </a:xfrm>
-      </p:grpSpPr>
-      <p:sp>
-        <p:nvSpPr>
-          <p:cNvPr id="135" name="Google Shape;135;p25"/>
-          <p:cNvSpPr txBox="1">
-            <a:spLocks noGrp="1"/>
-          </p:cNvSpPr>
-          <p:nvPr>
-            <p:ph type="title"/>
-          </p:nvPr>
-        </p:nvSpPr>
-        <p:spPr>
-          <a:xfrm>
-            <a:off x="311700" y="445025"/>
-            <a:ext cx="8520600" cy="572700"/>
-          </a:xfrm>
-          <a:prstGeom prst="rect">
-            <a:avLst/>
-          </a:prstGeom>
-        </p:spPr>
-        <p:txBody>
-          <a:bodyPr spcFirstLastPara="1" wrap="square" lIns="91425" tIns="91425" rIns="91425" bIns="91425" anchor="t" anchorCtr="0">
-            <a:noAutofit/>
-          </a:bodyPr>
-          <a:lstStyle/>
-          <a:p>
-            <a:pPr marL="0" lvl="0" indent="0" algn="l" rtl="0">
-              <a:spcBef>
-                <a:spcPts val="0"/>
-              </a:spcBef>
-              <a:spcAft>
-                <a:spcPts val="0"/>
-              </a:spcAft>
-              <a:buNone/>
-            </a:pPr>
-            <a:r>
-              <a:rPr lang="en"/>
-              <a:t>main.C - Translate FE boundary</a:t>
-            </a:r>
-            <a:endParaRPr/>
-          </a:p>
-        </p:txBody>
-      </p:sp>
-      <p:sp>
-        <p:nvSpPr>
-          <p:cNvPr id="136" name="Google Shape;136;p25"/>
-          <p:cNvSpPr txBox="1">
-            <a:spLocks noGrp="1"/>
-          </p:cNvSpPr>
-          <p:nvPr>
-            <p:ph type="body" idx="1"/>
-          </p:nvPr>
-        </p:nvSpPr>
-        <p:spPr>
-          <a:xfrm>
-            <a:off x="311700" y="1152475"/>
-            <a:ext cx="8520600" cy="3416400"/>
-          </a:xfrm>
-          <a:prstGeom prst="rect">
-            <a:avLst/>
-          </a:prstGeom>
-        </p:spPr>
-        <p:txBody>
-          <a:bodyPr spcFirstLastPara="1" wrap="square" lIns="91425" tIns="91425" rIns="91425" bIns="91425" anchor="t" anchorCtr="0">
-            <a:noAutofit/>
-          </a:bodyPr>
-          <a:lstStyle/>
-          <a:p>
-            <a:pPr marL="0" lvl="0" indent="0" algn="l" rtl="0">
-              <a:spcBef>
-                <a:spcPts val="0"/>
-              </a:spcBef>
-              <a:spcAft>
-                <a:spcPts val="0"/>
-              </a:spcAft>
-              <a:buClr>
-                <a:schemeClr val="dk1"/>
-              </a:buClr>
-              <a:buSzPts val="1100"/>
-              <a:buFont typeface="Arial"/>
-              <a:buNone/>
-            </a:pPr>
-            <a:r>
-              <a:rPr lang="en" sz="2200"/>
-              <a:t>We made our FE mesh at the origin. We want to shove the plate left so it’s at the beginning of the flow tank.The coordinate_mapping_function does this.</a:t>
-            </a:r>
-            <a:endParaRPr sz="2200"/>
-          </a:p>
-          <a:p>
-            <a:pPr marL="0" lvl="0" indent="0" algn="l" rtl="0">
-              <a:spcBef>
-                <a:spcPts val="1600"/>
-              </a:spcBef>
-              <a:spcAft>
-                <a:spcPts val="0"/>
-              </a:spcAft>
-              <a:buClr>
-                <a:schemeClr val="dk1"/>
-              </a:buClr>
-              <a:buSzPts val="1100"/>
-              <a:buFont typeface="Arial"/>
-              <a:buNone/>
-            </a:pPr>
-            <a:r>
-              <a:rPr lang="en" sz="1600"/>
-              <a:t>void coordinate_mapping_function(libMesh::Point&amp; X, const libMesh::Point&amp; s, void* /*ctx*/)</a:t>
-            </a:r>
-            <a:endParaRPr sz="1600"/>
-          </a:p>
-          <a:p>
-            <a:pPr marL="0" lvl="0" indent="0" algn="l" rtl="0">
-              <a:spcBef>
-                <a:spcPts val="0"/>
-              </a:spcBef>
-              <a:spcAft>
-                <a:spcPts val="0"/>
-              </a:spcAft>
-              <a:buClr>
-                <a:schemeClr val="dk1"/>
-              </a:buClr>
-              <a:buSzPts val="1100"/>
-              <a:buFont typeface="Arial"/>
-              <a:buNone/>
-            </a:pPr>
-            <a:r>
-              <a:rPr lang="en" sz="1600"/>
-              <a:t>{</a:t>
-            </a:r>
-            <a:endParaRPr sz="1600"/>
-          </a:p>
-          <a:p>
-            <a:pPr marL="0" lvl="0" indent="0" algn="l" rtl="0">
-              <a:spcBef>
-                <a:spcPts val="0"/>
-              </a:spcBef>
-              <a:spcAft>
-                <a:spcPts val="0"/>
-              </a:spcAft>
-              <a:buClr>
-                <a:schemeClr val="dk1"/>
-              </a:buClr>
-              <a:buSzPts val="1100"/>
-              <a:buFont typeface="Arial"/>
-              <a:buNone/>
-            </a:pPr>
-            <a:r>
-              <a:rPr lang="en" sz="1600"/>
-              <a:t>	X(0) = s(0) - 7; // translated 7 units left along x-axis</a:t>
-            </a:r>
-            <a:endParaRPr sz="1600"/>
-          </a:p>
-          <a:p>
-            <a:pPr marL="0" lvl="0" indent="0" algn="l" rtl="0">
-              <a:spcBef>
-                <a:spcPts val="0"/>
-              </a:spcBef>
-              <a:spcAft>
-                <a:spcPts val="0"/>
-              </a:spcAft>
-              <a:buClr>
-                <a:schemeClr val="dk1"/>
-              </a:buClr>
-              <a:buSzPts val="1100"/>
-              <a:buFont typeface="Arial"/>
-              <a:buNone/>
-            </a:pPr>
-            <a:r>
-              <a:rPr lang="en" sz="1600"/>
-              <a:t>	return;</a:t>
-            </a:r>
-            <a:endParaRPr sz="1600"/>
-          </a:p>
-          <a:p>
-            <a:pPr marL="0" lvl="0" indent="0" algn="l" rtl="0">
-              <a:spcBef>
-                <a:spcPts val="0"/>
-              </a:spcBef>
-              <a:spcAft>
-                <a:spcPts val="0"/>
-              </a:spcAft>
-              <a:buNone/>
-            </a:pPr>
-            <a:r>
-              <a:rPr lang="en" sz="1600"/>
-              <a:t>}</a:t>
-            </a:r>
-            <a:endParaRPr sz="1600"/>
-          </a:p>
-        </p:txBody>
-      </p:sp>
-    </p:spTree>
-  </p:cSld>
-  <p:clrMapOvr>
-    <a:masterClrMapping/>
-  </p:clrMapOvr>
-</p:sld>
-</file>
-
-<file path=ppt/slides/slide14.xml><?xml version="1.0" encoding="utf-8"?>
 <p:sld xmlns:a="http://schemas.openxmlformats.org/drawingml/2006/main" xmlns:r="http://schemas.openxmlformats.org/officeDocument/2006/relationships" xmlns:p="http://schemas.openxmlformats.org/presentationml/2006/main">
   <p:cSld>
     <p:spTree>
@@ -7984,10 +7686,10 @@
               <a:buNone/>
             </a:pPr>
             <a:r>
-              <a:rPr lang="en"/>
+              <a:rPr lang="en" dirty="0"/>
               <a:t>main.C- Target forces</a:t>
             </a:r>
-            <a:endParaRPr/>
+            <a:endParaRPr dirty="0"/>
           </a:p>
         </p:txBody>
       </p:sp>
@@ -8016,419 +7718,335 @@
           </a:bodyPr>
           <a:lstStyle/>
           <a:p>
-            <a:pPr marL="0" lvl="0" indent="0" algn="l" rtl="0">
-              <a:spcBef>
-                <a:spcPts val="0"/>
-              </a:spcBef>
-              <a:spcAft>
-                <a:spcPts val="0"/>
-              </a:spcAft>
+            <a:pPr marL="0" lvl="0" indent="0">
               <a:buClr>
                 <a:schemeClr val="dk1"/>
               </a:buClr>
               <a:buSzPts val="1100"/>
-              <a:buFont typeface="Arial"/>
-              <a:buNone/>
-            </a:pPr>
-            <a:r>
-              <a:rPr lang="en" sz="1000"/>
-              <a:t>void target_force_function(VectorValue&lt;double&gt;&amp; F, const TensorValue&lt;double&gt;&amp; /*FF*/,</a:t>
-            </a:r>
-            <a:endParaRPr sz="1000"/>
-          </a:p>
-          <a:p>
-            <a:pPr marL="0" lvl="0" indent="0" algn="l" rtl="0">
-              <a:spcBef>
-                <a:spcPts val="0"/>
-              </a:spcBef>
-              <a:spcAft>
-                <a:spcPts val="0"/>
-              </a:spcAft>
+              <a:buNone/>
+            </a:pPr>
+            <a:r>
+              <a:rPr lang="en-US" sz="1600" dirty="0" err="1"/>
+              <a:t>voidtarget_force_function</a:t>
+            </a:r>
+            <a:r>
+              <a:rPr lang="en-US" sz="1600" dirty="0"/>
+              <a:t>(    </a:t>
+            </a:r>
+            <a:endParaRPr lang="en-US" sz="1600" dirty="0" smtClean="0"/>
+          </a:p>
+          <a:p>
+            <a:pPr marL="0" lvl="0" indent="0">
               <a:buClr>
                 <a:schemeClr val="dk1"/>
               </a:buClr>
               <a:buSzPts val="1100"/>
-              <a:buFont typeface="Arial"/>
-              <a:buNone/>
-            </a:pPr>
-            <a:r>
-              <a:rPr lang="en" sz="1000"/>
-              <a:t>	const libMesh::Point&amp; X, const libMesh::Point&amp; s, Elem* const /*elem*/,</a:t>
-            </a:r>
-            <a:endParaRPr sz="1000"/>
-          </a:p>
-          <a:p>
-            <a:pPr marL="0" lvl="0" indent="0" algn="l" rtl="0">
-              <a:spcBef>
-                <a:spcPts val="0"/>
-              </a:spcBef>
-              <a:spcAft>
-                <a:spcPts val="0"/>
-              </a:spcAft>
+              <a:buNone/>
+            </a:pPr>
+            <a:r>
+              <a:rPr lang="en-US" sz="1600" dirty="0"/>
+              <a:t>	</a:t>
+            </a:r>
+            <a:r>
+              <a:rPr lang="en-US" sz="1600" dirty="0" err="1" smtClean="0"/>
+              <a:t>VectorValue</a:t>
+            </a:r>
+            <a:r>
+              <a:rPr lang="en-US" sz="1600" dirty="0" smtClean="0"/>
+              <a:t>&lt;double</a:t>
+            </a:r>
+            <a:r>
+              <a:rPr lang="en-US" sz="1600" dirty="0"/>
+              <a:t>&gt;&amp; F</a:t>
+            </a:r>
+            <a:r>
+              <a:rPr lang="en-US" sz="1600" dirty="0" smtClean="0"/>
+              <a:t>,</a:t>
+            </a:r>
+          </a:p>
+          <a:p>
+            <a:pPr marL="0" lvl="0" indent="0">
               <a:buClr>
                 <a:schemeClr val="dk1"/>
               </a:buClr>
               <a:buSzPts val="1100"/>
-              <a:buFont typeface="Arial"/>
-              <a:buNone/>
-            </a:pPr>
-            <a:r>
-              <a:rPr lang="en" sz="1000"/>
-              <a:t>	const vector&lt;NumericVector&lt;double&gt;*&gt;&amp; /*system_data*/, double time, void* /*ctx*/)</a:t>
-            </a:r>
-            <a:endParaRPr sz="1000"/>
-          </a:p>
-          <a:p>
-            <a:pPr marL="0" lvl="0" indent="0" algn="l" rtl="0">
-              <a:spcBef>
-                <a:spcPts val="0"/>
-              </a:spcBef>
-              <a:spcAft>
-                <a:spcPts val="0"/>
-              </a:spcAft>
+              <a:buNone/>
+            </a:pPr>
+            <a:r>
+              <a:rPr lang="en-US" sz="1600" dirty="0"/>
+              <a:t>	</a:t>
+            </a:r>
+            <a:r>
+              <a:rPr lang="en-US" sz="1600" dirty="0" err="1"/>
+              <a:t>const</a:t>
+            </a:r>
+            <a:r>
+              <a:rPr lang="en-US" sz="1600" dirty="0"/>
+              <a:t> </a:t>
+            </a:r>
+            <a:r>
+              <a:rPr lang="en-US" sz="1600" dirty="0" err="1"/>
+              <a:t>TensorValue</a:t>
+            </a:r>
+            <a:r>
+              <a:rPr lang="en-US" sz="1600" dirty="0"/>
+              <a:t>&lt;double&gt;&amp; /*FF</a:t>
+            </a:r>
+            <a:r>
+              <a:rPr lang="en-US" sz="1600" dirty="0" smtClean="0"/>
+              <a:t>*/,</a:t>
+            </a:r>
+          </a:p>
+          <a:p>
+            <a:pPr marL="0" lvl="0" indent="0">
               <a:buClr>
                 <a:schemeClr val="dk1"/>
               </a:buClr>
               <a:buSzPts val="1100"/>
-              <a:buFont typeface="Arial"/>
-              <a:buNone/>
-            </a:pPr>
-            <a:r>
-              <a:rPr lang="en" sz="1000"/>
-              <a:t>{</a:t>
-            </a:r>
-            <a:endParaRPr sz="1000"/>
-          </a:p>
-          <a:p>
-            <a:pPr marL="0" lvl="0" indent="0" algn="l" rtl="0">
-              <a:spcBef>
-                <a:spcPts val="0"/>
-              </a:spcBef>
-              <a:spcAft>
-                <a:spcPts val="0"/>
-              </a:spcAft>
+              <a:buNone/>
+            </a:pPr>
+            <a:r>
+              <a:rPr lang="en-US" sz="1600" dirty="0"/>
+              <a:t>	</a:t>
+            </a:r>
+            <a:r>
+              <a:rPr lang="en-US" sz="1600" dirty="0" err="1"/>
+              <a:t>const</a:t>
+            </a:r>
+            <a:r>
+              <a:rPr lang="en-US" sz="1600" dirty="0"/>
+              <a:t> </a:t>
+            </a:r>
+            <a:r>
+              <a:rPr lang="en-US" sz="1600" dirty="0" err="1"/>
+              <a:t>libMesh</a:t>
+            </a:r>
+            <a:r>
+              <a:rPr lang="en-US" sz="1600" dirty="0"/>
+              <a:t>::Point&amp; X</a:t>
+            </a:r>
+            <a:r>
+              <a:rPr lang="en-US" sz="1600" dirty="0" smtClean="0"/>
+              <a:t>,</a:t>
+            </a:r>
+          </a:p>
+          <a:p>
+            <a:pPr marL="0" lvl="0" indent="0">
               <a:buClr>
                 <a:schemeClr val="dk1"/>
               </a:buClr>
               <a:buSzPts val="1100"/>
-              <a:buFont typeface="Arial"/>
-              <a:buNone/>
-            </a:pPr>
-            <a:r>
-              <a:rPr lang="en" sz="1000"/>
-              <a:t>	libMesh::Point s_dump;</a:t>
-            </a:r>
-            <a:endParaRPr sz="1000"/>
-          </a:p>
-          <a:p>
-            <a:pPr marL="0" lvl="0" indent="0" algn="l" rtl="0">
-              <a:spcBef>
-                <a:spcPts val="0"/>
-              </a:spcBef>
-              <a:spcAft>
-                <a:spcPts val="0"/>
-              </a:spcAft>
+              <a:buNone/>
+            </a:pPr>
+            <a:r>
+              <a:rPr lang="en-US" sz="1600" dirty="0"/>
+              <a:t>	</a:t>
+            </a:r>
+            <a:r>
+              <a:rPr lang="en-US" sz="1600" dirty="0" err="1"/>
+              <a:t>const</a:t>
+            </a:r>
+            <a:r>
+              <a:rPr lang="en-US" sz="1600" dirty="0"/>
+              <a:t> </a:t>
+            </a:r>
+            <a:r>
+              <a:rPr lang="en-US" sz="1600" dirty="0" err="1"/>
+              <a:t>libMesh</a:t>
+            </a:r>
+            <a:r>
+              <a:rPr lang="en-US" sz="1600" dirty="0"/>
+              <a:t>::Point&amp; s</a:t>
+            </a:r>
+            <a:r>
+              <a:rPr lang="en-US" sz="1600" dirty="0" smtClean="0"/>
+              <a:t>,</a:t>
+            </a:r>
+          </a:p>
+          <a:p>
+            <a:pPr marL="0" lvl="0" indent="0">
               <a:buClr>
                 <a:schemeClr val="dk1"/>
               </a:buClr>
               <a:buSzPts val="1100"/>
-              <a:buFont typeface="Arial"/>
-              <a:buNone/>
-            </a:pPr>
-            <a:r>
-              <a:rPr lang="en" sz="1000"/>
-              <a:t>	double kappa;</a:t>
-            </a:r>
-            <a:endParaRPr sz="1000"/>
-          </a:p>
-          <a:p>
-            <a:pPr marL="0" lvl="0" indent="0" algn="l" rtl="0">
-              <a:spcBef>
-                <a:spcPts val="0"/>
-              </a:spcBef>
-              <a:spcAft>
-                <a:spcPts val="0"/>
-              </a:spcAft>
+              <a:buNone/>
+            </a:pPr>
+            <a:r>
+              <a:rPr lang="en-US" sz="1600" dirty="0"/>
+              <a:t>	Elem* </a:t>
+            </a:r>
+            <a:r>
+              <a:rPr lang="en-US" sz="1600" dirty="0" err="1"/>
+              <a:t>const</a:t>
+            </a:r>
+            <a:r>
+              <a:rPr lang="en-US" sz="1600" dirty="0"/>
+              <a:t> /*</a:t>
+            </a:r>
+            <a:r>
+              <a:rPr lang="en-US" sz="1600" dirty="0" err="1"/>
+              <a:t>elem</a:t>
+            </a:r>
+            <a:r>
+              <a:rPr lang="en-US" sz="1600" dirty="0" smtClean="0"/>
+              <a:t>*/,</a:t>
+            </a:r>
+          </a:p>
+          <a:p>
+            <a:pPr marL="0" lvl="0" indent="0">
               <a:buClr>
                 <a:schemeClr val="dk1"/>
               </a:buClr>
               <a:buSzPts val="1100"/>
-              <a:buFont typeface="Arial"/>
-              <a:buNone/>
-            </a:pPr>
-            <a:r>
-              <a:rPr lang="en" sz="1000"/>
-              <a:t>	s_dump = s; // this is the tether location before translation, note s = [s(0), s(1), s(2)).</a:t>
-            </a:r>
-            <a:endParaRPr sz="1000"/>
-          </a:p>
-          <a:p>
-            <a:pPr marL="0" lvl="0" indent="0" algn="l" rtl="0">
-              <a:spcBef>
-                <a:spcPts val="0"/>
-              </a:spcBef>
-              <a:spcAft>
-                <a:spcPts val="0"/>
-              </a:spcAft>
+              <a:buNone/>
+            </a:pPr>
+            <a:r>
+              <a:rPr lang="en-US" sz="1600" dirty="0"/>
+              <a:t>	</a:t>
+            </a:r>
+            <a:r>
+              <a:rPr lang="en-US" sz="1600" dirty="0" err="1"/>
+              <a:t>const</a:t>
+            </a:r>
+            <a:r>
+              <a:rPr lang="en-US" sz="1600" dirty="0"/>
+              <a:t> </a:t>
+            </a:r>
+            <a:r>
+              <a:rPr lang="en-US" sz="1600" dirty="0" err="1"/>
+              <a:t>std</a:t>
+            </a:r>
+            <a:r>
+              <a:rPr lang="en-US" sz="1600" dirty="0"/>
+              <a:t>::vector&lt;</a:t>
+            </a:r>
+            <a:r>
+              <a:rPr lang="en-US" sz="1600" dirty="0" err="1"/>
+              <a:t>const</a:t>
+            </a:r>
+            <a:r>
+              <a:rPr lang="en-US" sz="1600" dirty="0"/>
+              <a:t> </a:t>
+            </a:r>
+            <a:r>
+              <a:rPr lang="en-US" sz="1600" dirty="0" err="1"/>
+              <a:t>std</a:t>
+            </a:r>
+            <a:r>
+              <a:rPr lang="en-US" sz="1600" dirty="0"/>
+              <a:t>::vector&lt;double&gt;*&gt;&amp; /*</a:t>
+            </a:r>
+            <a:r>
+              <a:rPr lang="en-US" sz="1600" dirty="0" err="1"/>
+              <a:t>var_data</a:t>
+            </a:r>
+            <a:r>
+              <a:rPr lang="en-US" sz="1600" dirty="0" smtClean="0"/>
+              <a:t>*/,</a:t>
+            </a:r>
+          </a:p>
+          <a:p>
+            <a:pPr marL="0" lvl="0" indent="0">
               <a:buClr>
                 <a:schemeClr val="dk1"/>
               </a:buClr>
               <a:buSzPts val="1100"/>
-              <a:buFont typeface="Arial"/>
-              <a:buNone/>
-            </a:pPr>
-            <a:r>
-              <a:rPr lang="en" sz="1000"/>
-              <a:t>	s_dump(0) = s(0) - 7; // now the desired location is translated.</a:t>
-            </a:r>
-            <a:endParaRPr sz="1000"/>
-          </a:p>
-          <a:p>
-            <a:pPr marL="0" lvl="0" indent="0" algn="l" rtl="0">
-              <a:spcBef>
-                <a:spcPts val="0"/>
-              </a:spcBef>
-              <a:spcAft>
-                <a:spcPts val="0"/>
-              </a:spcAft>
+              <a:buNone/>
+            </a:pPr>
+            <a:r>
+              <a:rPr lang="en-US" sz="1600" dirty="0"/>
+              <a:t>	</a:t>
+            </a:r>
+            <a:r>
+              <a:rPr lang="en-US" sz="1600" dirty="0" err="1"/>
+              <a:t>const</a:t>
+            </a:r>
+            <a:r>
+              <a:rPr lang="en-US" sz="1600" dirty="0"/>
+              <a:t> </a:t>
+            </a:r>
+            <a:r>
+              <a:rPr lang="en-US" sz="1600" dirty="0" err="1"/>
+              <a:t>std</a:t>
+            </a:r>
+            <a:r>
+              <a:rPr lang="en-US" sz="1600" dirty="0"/>
+              <a:t>::vector&lt;</a:t>
+            </a:r>
+            <a:r>
+              <a:rPr lang="en-US" sz="1600" dirty="0" err="1"/>
+              <a:t>const</a:t>
+            </a:r>
+            <a:r>
+              <a:rPr lang="en-US" sz="1600" dirty="0"/>
+              <a:t> </a:t>
+            </a:r>
+            <a:r>
+              <a:rPr lang="en-US" sz="1600" dirty="0" err="1"/>
+              <a:t>std</a:t>
+            </a:r>
+            <a:r>
+              <a:rPr lang="en-US" sz="1600" dirty="0"/>
+              <a:t>::vector&lt;</a:t>
+            </a:r>
+            <a:r>
+              <a:rPr lang="en-US" sz="1600" dirty="0" err="1"/>
+              <a:t>VectorValue</a:t>
+            </a:r>
+            <a:r>
+              <a:rPr lang="en-US" sz="1600" dirty="0"/>
+              <a:t>&lt;double&gt; &gt;*&gt;&amp; /*</a:t>
+            </a:r>
+            <a:r>
+              <a:rPr lang="en-US" sz="1600" dirty="0" err="1"/>
+              <a:t>grad_var_data</a:t>
+            </a:r>
+            <a:r>
+              <a:rPr lang="en-US" sz="1600" dirty="0"/>
+              <a:t>*/,	double time</a:t>
+            </a:r>
+            <a:r>
+              <a:rPr lang="en-US" sz="1600" dirty="0" smtClean="0"/>
+              <a:t>,</a:t>
+            </a:r>
+          </a:p>
+          <a:p>
+            <a:pPr marL="0" lvl="0" indent="0">
               <a:buClr>
                 <a:schemeClr val="dk1"/>
               </a:buClr>
               <a:buSzPts val="1100"/>
-              <a:buFont typeface="Arial"/>
-              <a:buNone/>
-            </a:pPr>
-            <a:r>
-              <a:rPr lang="en" sz="1000"/>
-              <a:t>	// apply tether force only if z-coordinate of original position is within 0.1 of center.</a:t>
-            </a:r>
-            <a:endParaRPr sz="1000"/>
-          </a:p>
-          <a:p>
-            <a:pPr marL="0" lvl="0" indent="0" algn="l" rtl="0">
-              <a:spcBef>
-                <a:spcPts val="0"/>
-              </a:spcBef>
-              <a:spcAft>
-                <a:spcPts val="0"/>
-              </a:spcAft>
+              <a:buNone/>
+            </a:pPr>
+            <a:r>
+              <a:rPr lang="en-US" sz="1600" dirty="0" smtClean="0"/>
+              <a:t>    	void</a:t>
+            </a:r>
+            <a:r>
+              <a:rPr lang="en-US" sz="1600" dirty="0"/>
+              <a:t>* /*</a:t>
+            </a:r>
+            <a:r>
+              <a:rPr lang="en-US" sz="1600" dirty="0" err="1"/>
+              <a:t>ctx</a:t>
+            </a:r>
+            <a:r>
+              <a:rPr lang="en-US" sz="1600" dirty="0" smtClean="0"/>
+              <a:t>*/)</a:t>
+            </a:r>
+          </a:p>
+          <a:p>
+            <a:pPr marL="0" lvl="0" indent="0">
               <a:buClr>
                 <a:schemeClr val="dk1"/>
               </a:buClr>
               <a:buSzPts val="1100"/>
-              <a:buFont typeface="Arial"/>
-              <a:buNone/>
-            </a:pPr>
-            <a:r>
-              <a:rPr lang="en" sz="1000"/>
-              <a:t>	if (abs(s(2)) &lt; .1)</a:t>
-            </a:r>
-            <a:endParaRPr sz="1000"/>
-          </a:p>
-          <a:p>
-            <a:pPr marL="0" lvl="0" indent="0" algn="l" rtl="0">
-              <a:spcBef>
-                <a:spcPts val="0"/>
-              </a:spcBef>
-              <a:spcAft>
-                <a:spcPts val="0"/>
-              </a:spcAft>
-              <a:buClr>
-                <a:schemeClr val="dk1"/>
-              </a:buClr>
-              <a:buSzPts val="1100"/>
-              <a:buFont typeface="Arial"/>
-              <a:buNone/>
-            </a:pPr>
-            <a:r>
-              <a:rPr lang="en" sz="1000"/>
-              <a:t>	{</a:t>
-            </a:r>
-            <a:endParaRPr sz="1000"/>
-          </a:p>
-          <a:p>
-            <a:pPr marL="0" lvl="0" indent="0" algn="l" rtl="0">
-              <a:spcBef>
-                <a:spcPts val="0"/>
-              </a:spcBef>
-              <a:spcAft>
-                <a:spcPts val="0"/>
-              </a:spcAft>
-              <a:buClr>
-                <a:schemeClr val="dk1"/>
-              </a:buClr>
-              <a:buSzPts val="1100"/>
-              <a:buFont typeface="Arial"/>
-              <a:buNone/>
-            </a:pPr>
-            <a:r>
-              <a:rPr lang="en" sz="1000"/>
-              <a:t>    	kappa = kappa_s;</a:t>
-            </a:r>
-            <a:endParaRPr sz="1000"/>
-          </a:p>
-          <a:p>
-            <a:pPr marL="0" lvl="0" indent="0" algn="l" rtl="0">
-              <a:spcBef>
-                <a:spcPts val="0"/>
-              </a:spcBef>
-              <a:spcAft>
-                <a:spcPts val="0"/>
-              </a:spcAft>
-              <a:buClr>
-                <a:schemeClr val="dk1"/>
-              </a:buClr>
-              <a:buSzPts val="1100"/>
-              <a:buFont typeface="Arial"/>
-              <a:buNone/>
-            </a:pPr>
-            <a:r>
-              <a:rPr lang="en" sz="1000"/>
-              <a:t>	}</a:t>
-            </a:r>
-            <a:endParaRPr sz="1000"/>
-          </a:p>
-          <a:p>
-            <a:pPr marL="0" lvl="0" indent="0" algn="l" rtl="0">
-              <a:spcBef>
-                <a:spcPts val="0"/>
-              </a:spcBef>
-              <a:spcAft>
-                <a:spcPts val="0"/>
-              </a:spcAft>
-              <a:buClr>
-                <a:schemeClr val="dk1"/>
-              </a:buClr>
-              <a:buSzPts val="1100"/>
-              <a:buFont typeface="Arial"/>
-              <a:buNone/>
-            </a:pPr>
-            <a:r>
-              <a:rPr lang="en" sz="1000"/>
-              <a:t>	else</a:t>
-            </a:r>
-            <a:endParaRPr sz="1000"/>
-          </a:p>
-          <a:p>
-            <a:pPr marL="0" lvl="0" indent="0" algn="l" rtl="0">
-              <a:spcBef>
-                <a:spcPts val="0"/>
-              </a:spcBef>
-              <a:spcAft>
-                <a:spcPts val="0"/>
-              </a:spcAft>
-              <a:buClr>
-                <a:schemeClr val="dk1"/>
-              </a:buClr>
-              <a:buSzPts val="1100"/>
-              <a:buFont typeface="Arial"/>
-              <a:buNone/>
-            </a:pPr>
-            <a:r>
-              <a:rPr lang="en" sz="1000"/>
-              <a:t>	{ // no tether force, set tether stiffness to zero.</a:t>
-            </a:r>
-            <a:endParaRPr sz="1000"/>
-          </a:p>
-          <a:p>
-            <a:pPr marL="0" lvl="0" indent="0" algn="l" rtl="0">
-              <a:spcBef>
-                <a:spcPts val="0"/>
-              </a:spcBef>
-              <a:spcAft>
-                <a:spcPts val="0"/>
-              </a:spcAft>
-              <a:buClr>
-                <a:schemeClr val="dk1"/>
-              </a:buClr>
-              <a:buSzPts val="1100"/>
-              <a:buFont typeface="Arial"/>
-              <a:buNone/>
-            </a:pPr>
-            <a:r>
-              <a:rPr lang="en" sz="1000"/>
-              <a:t>    	kappa = 0;</a:t>
-            </a:r>
-            <a:endParaRPr sz="1000"/>
-          </a:p>
-          <a:p>
-            <a:pPr marL="0" lvl="0" indent="0" algn="l" rtl="0">
-              <a:spcBef>
-                <a:spcPts val="0"/>
-              </a:spcBef>
-              <a:spcAft>
-                <a:spcPts val="0"/>
-              </a:spcAft>
-              <a:buClr>
-                <a:schemeClr val="dk1"/>
-              </a:buClr>
-              <a:buSzPts val="1100"/>
-              <a:buFont typeface="Arial"/>
-              <a:buNone/>
-            </a:pPr>
-            <a:r>
-              <a:rPr lang="en" sz="1000"/>
-              <a:t>	}</a:t>
-            </a:r>
-            <a:endParaRPr sz="1000"/>
-          </a:p>
-          <a:p>
-            <a:pPr marL="0" lvl="0" indent="0" algn="l" rtl="0">
-              <a:spcBef>
-                <a:spcPts val="0"/>
-              </a:spcBef>
-              <a:spcAft>
-                <a:spcPts val="0"/>
-              </a:spcAft>
-              <a:buClr>
-                <a:schemeClr val="dk1"/>
-              </a:buClr>
-              <a:buSzPts val="1100"/>
-              <a:buFont typeface="Arial"/>
-              <a:buNone/>
-            </a:pPr>
-            <a:r>
-              <a:rPr lang="en" sz="1000"/>
-              <a:t>	F = kappa * (s_dump - X); // Note x is actual position, s_dump is desired position</a:t>
-            </a:r>
-            <a:endParaRPr sz="1000"/>
-          </a:p>
-          <a:p>
-            <a:pPr marL="0" lvl="0" indent="0" algn="l" rtl="0">
-              <a:spcBef>
-                <a:spcPts val="0"/>
-              </a:spcBef>
-              <a:spcAft>
-                <a:spcPts val="0"/>
-              </a:spcAft>
-              <a:buClr>
-                <a:schemeClr val="dk1"/>
-              </a:buClr>
-              <a:buSzPts val="1100"/>
-              <a:buFont typeface="Arial"/>
-              <a:buNone/>
-            </a:pPr>
-            <a:r>
-              <a:rPr lang="en" sz="1000"/>
-              <a:t>	return;</a:t>
-            </a:r>
-            <a:endParaRPr sz="1000"/>
-          </a:p>
-          <a:p>
-            <a:pPr marL="0" lvl="0" indent="0" algn="l" rtl="0">
-              <a:spcBef>
-                <a:spcPts val="0"/>
-              </a:spcBef>
-              <a:spcAft>
-                <a:spcPts val="0"/>
-              </a:spcAft>
-              <a:buNone/>
-            </a:pPr>
-            <a:r>
-              <a:rPr lang="en" sz="1000"/>
-              <a:t>}</a:t>
-            </a:r>
-            <a:endParaRPr sz="1000"/>
+              <a:buNone/>
+            </a:pPr>
+            <a:r>
+              <a:rPr lang="en-US" sz="1600" dirty="0" smtClean="0"/>
+              <a:t>{    </a:t>
+            </a:r>
           </a:p>
         </p:txBody>
       </p:sp>
@@ -8468,14 +8086,384 @@
               <a:buChar char="●"/>
             </a:pPr>
             <a:r>
-              <a:rPr lang="en"/>
+              <a:rPr lang="en" dirty="0"/>
               <a:t>Apply target force at the midline of plate using target_force_function. Applied in band running from -.1 to .1 in z-direction.</a:t>
             </a:r>
-            <a:endParaRPr/>
+            <a:endParaRPr dirty="0"/>
           </a:p>
         </p:txBody>
       </p:sp>
     </p:spTree>
+  </p:cSld>
+  <p:clrMapOvr>
+    <a:masterClrMapping/>
+  </p:clrMapOvr>
+</p:sld>
+</file>
+
+<file path=ppt/slides/slide14.xml><?xml version="1.0" encoding="utf-8"?>
+<p:sld xmlns:a="http://schemas.openxmlformats.org/drawingml/2006/main" xmlns:r="http://schemas.openxmlformats.org/officeDocument/2006/relationships" xmlns:p="http://schemas.openxmlformats.org/presentationml/2006/main">
+  <p:cSld>
+    <p:spTree>
+      <p:nvGrpSpPr>
+        <p:cNvPr id="1" name=""/>
+        <p:cNvGrpSpPr/>
+        <p:nvPr/>
+      </p:nvGrpSpPr>
+      <p:grpSpPr>
+        <a:xfrm>
+          <a:off x="0" y="0"/>
+          <a:ext cx="0" cy="0"/>
+          <a:chOff x="0" y="0"/>
+          <a:chExt cx="0" cy="0"/>
+        </a:xfrm>
+      </p:grpSpPr>
+      <p:sp>
+        <p:nvSpPr>
+          <p:cNvPr id="4" name="Rectangle 3"/>
+          <p:cNvSpPr/>
+          <p:nvPr/>
+        </p:nvSpPr>
+        <p:spPr>
+          <a:xfrm>
+            <a:off x="219456" y="1017479"/>
+            <a:ext cx="8827008" cy="3539430"/>
+          </a:xfrm>
+          <a:prstGeom prst="rect">
+            <a:avLst/>
+          </a:prstGeom>
+        </p:spPr>
+        <p:txBody>
+          <a:bodyPr wrap="square">
+            <a:spAutoFit/>
+          </a:bodyPr>
+          <a:lstStyle/>
+          <a:p>
+            <a:pPr marL="0" lvl="0" indent="0">
+              <a:buClr>
+                <a:schemeClr val="dk1"/>
+              </a:buClr>
+              <a:buSzPts val="1100"/>
+              <a:buNone/>
+            </a:pPr>
+            <a:r>
+              <a:rPr lang="en-US" dirty="0"/>
+              <a:t> </a:t>
+            </a:r>
+            <a:r>
+              <a:rPr lang="en-US" dirty="0" smtClean="0"/>
+              <a:t>   </a:t>
+            </a:r>
+            <a:r>
+              <a:rPr lang="en-US" dirty="0" err="1" smtClean="0"/>
+              <a:t>libMesh</a:t>
+            </a:r>
+            <a:r>
+              <a:rPr lang="en-US" dirty="0"/>
+              <a:t>::Point </a:t>
+            </a:r>
+            <a:r>
+              <a:rPr lang="en-US" dirty="0" err="1"/>
+              <a:t>s_dump</a:t>
+            </a:r>
+            <a:r>
+              <a:rPr lang="en-US" dirty="0"/>
+              <a:t>;</a:t>
+            </a:r>
+          </a:p>
+          <a:p>
+            <a:pPr marL="0" lvl="0" indent="0">
+              <a:buClr>
+                <a:schemeClr val="dk1"/>
+              </a:buClr>
+              <a:buSzPts val="1100"/>
+              <a:buNone/>
+            </a:pPr>
+            <a:r>
+              <a:rPr lang="en-US" dirty="0"/>
+              <a:t>    double kappa;</a:t>
+            </a:r>
+          </a:p>
+          <a:p>
+            <a:pPr marL="0" lvl="0" indent="0">
+              <a:buClr>
+                <a:schemeClr val="dk1"/>
+              </a:buClr>
+              <a:buSzPts val="1100"/>
+              <a:buNone/>
+            </a:pPr>
+            <a:r>
+              <a:rPr lang="en-US" dirty="0"/>
+              <a:t>    </a:t>
+            </a:r>
+            <a:r>
+              <a:rPr lang="en-US" dirty="0" err="1"/>
+              <a:t>s_dump</a:t>
+            </a:r>
+            <a:r>
+              <a:rPr lang="en-US" dirty="0"/>
+              <a:t> = s; </a:t>
+            </a:r>
+            <a:endParaRPr lang="en-US" dirty="0" smtClean="0"/>
+          </a:p>
+          <a:p>
+            <a:pPr marL="0" lvl="0" indent="0">
+              <a:buClr>
+                <a:schemeClr val="dk1"/>
+              </a:buClr>
+              <a:buSzPts val="1100"/>
+              <a:buNone/>
+            </a:pPr>
+            <a:endParaRPr lang="en-US" dirty="0"/>
+          </a:p>
+          <a:p>
+            <a:pPr marL="0" lvl="0" indent="0">
+              <a:buClr>
+                <a:schemeClr val="dk1"/>
+              </a:buClr>
+              <a:buSzPts val="1100"/>
+              <a:buNone/>
+            </a:pPr>
+            <a:r>
+              <a:rPr lang="en-US" dirty="0"/>
+              <a:t>    // apply tether force only if z-coordinate of original position is within 0.1 of center.</a:t>
+            </a:r>
+          </a:p>
+          <a:p>
+            <a:pPr marL="0" lvl="0" indent="0">
+              <a:buClr>
+                <a:schemeClr val="dk1"/>
+              </a:buClr>
+              <a:buSzPts val="1100"/>
+              <a:buNone/>
+            </a:pPr>
+            <a:r>
+              <a:rPr lang="en-US" dirty="0"/>
+              <a:t>    if (abs(s(2)) &lt; .1)</a:t>
+            </a:r>
+          </a:p>
+          <a:p>
+            <a:pPr marL="0" lvl="0" indent="0">
+              <a:buClr>
+                <a:schemeClr val="dk1"/>
+              </a:buClr>
+              <a:buSzPts val="1100"/>
+              <a:buNone/>
+            </a:pPr>
+            <a:r>
+              <a:rPr lang="en-US" dirty="0"/>
+              <a:t>    {</a:t>
+            </a:r>
+          </a:p>
+          <a:p>
+            <a:pPr marL="0" lvl="0" indent="0">
+              <a:buClr>
+                <a:schemeClr val="dk1"/>
+              </a:buClr>
+              <a:buSzPts val="1100"/>
+              <a:buNone/>
+            </a:pPr>
+            <a:r>
+              <a:rPr lang="en-US" dirty="0"/>
+              <a:t>        kappa = </a:t>
+            </a:r>
+            <a:r>
+              <a:rPr lang="en-US" dirty="0" err="1"/>
+              <a:t>kappa_s</a:t>
+            </a:r>
+            <a:r>
+              <a:rPr lang="en-US" dirty="0"/>
+              <a:t>;</a:t>
+            </a:r>
+          </a:p>
+          <a:p>
+            <a:pPr marL="0" lvl="0" indent="0">
+              <a:buClr>
+                <a:schemeClr val="dk1"/>
+              </a:buClr>
+              <a:buSzPts val="1100"/>
+              <a:buNone/>
+            </a:pPr>
+            <a:r>
+              <a:rPr lang="en-US" dirty="0"/>
+              <a:t>    }</a:t>
+            </a:r>
+          </a:p>
+          <a:p>
+            <a:pPr marL="0" lvl="0" indent="0">
+              <a:buClr>
+                <a:schemeClr val="dk1"/>
+              </a:buClr>
+              <a:buSzPts val="1100"/>
+              <a:buNone/>
+            </a:pPr>
+            <a:r>
+              <a:rPr lang="en-US" dirty="0"/>
+              <a:t>    else </a:t>
+            </a:r>
+          </a:p>
+          <a:p>
+            <a:pPr marL="0" lvl="0" indent="0">
+              <a:buClr>
+                <a:schemeClr val="dk1"/>
+              </a:buClr>
+              <a:buSzPts val="1100"/>
+              <a:buNone/>
+            </a:pPr>
+            <a:r>
+              <a:rPr lang="en-US" dirty="0"/>
+              <a:t>   </a:t>
+            </a:r>
+            <a:r>
+              <a:rPr lang="en-US" dirty="0" smtClean="0"/>
+              <a:t>{ </a:t>
+            </a:r>
+            <a:r>
+              <a:rPr lang="en-US" dirty="0"/>
+              <a:t>// no tether force, set tether stiffness to zero. </a:t>
+            </a:r>
+            <a:endParaRPr lang="en-US" dirty="0" smtClean="0"/>
+          </a:p>
+          <a:p>
+            <a:pPr marL="0" lvl="0" indent="0">
+              <a:buClr>
+                <a:schemeClr val="dk1"/>
+              </a:buClr>
+              <a:buSzPts val="1100"/>
+              <a:buNone/>
+            </a:pPr>
+            <a:r>
+              <a:rPr lang="en-US" dirty="0" smtClean="0"/>
+              <a:t>       </a:t>
+            </a:r>
+            <a:r>
+              <a:rPr lang="en-US" dirty="0"/>
+              <a:t>kappa = 0</a:t>
+            </a:r>
+            <a:r>
+              <a:rPr lang="en-US" dirty="0" smtClean="0"/>
+              <a:t>;</a:t>
+            </a:r>
+          </a:p>
+          <a:p>
+            <a:pPr marL="0" lvl="0" indent="0">
+              <a:buClr>
+                <a:schemeClr val="dk1"/>
+              </a:buClr>
+              <a:buSzPts val="1100"/>
+              <a:buNone/>
+            </a:pPr>
+            <a:r>
+              <a:rPr lang="en-US" dirty="0" smtClean="0"/>
+              <a:t>    }</a:t>
+            </a:r>
+          </a:p>
+          <a:p>
+            <a:pPr marL="0" lvl="0" indent="0">
+              <a:buClr>
+                <a:schemeClr val="dk1"/>
+              </a:buClr>
+              <a:buSzPts val="1100"/>
+              <a:buNone/>
+            </a:pPr>
+            <a:r>
+              <a:rPr lang="en-US" dirty="0" smtClean="0"/>
+              <a:t>    </a:t>
+            </a:r>
+            <a:r>
+              <a:rPr lang="en-US" dirty="0"/>
+              <a:t>F = kappa * (s - X); // Note x is actual position, s is desired </a:t>
+            </a:r>
+            <a:r>
+              <a:rPr lang="en-US" dirty="0" smtClean="0"/>
+              <a:t>position</a:t>
+            </a:r>
+          </a:p>
+          <a:p>
+            <a:pPr marL="0" lvl="0" indent="0">
+              <a:buClr>
+                <a:schemeClr val="dk1"/>
+              </a:buClr>
+              <a:buSzPts val="1100"/>
+              <a:buNone/>
+            </a:pPr>
+            <a:r>
+              <a:rPr lang="en-US" dirty="0" smtClean="0"/>
+              <a:t>    </a:t>
+            </a:r>
+            <a:r>
+              <a:rPr lang="en-US" dirty="0"/>
+              <a:t>return</a:t>
+            </a:r>
+            <a:r>
+              <a:rPr lang="en-US" dirty="0" smtClean="0"/>
+              <a:t>;</a:t>
+            </a:r>
+          </a:p>
+          <a:p>
+            <a:pPr marL="0" lvl="0" indent="0">
+              <a:buClr>
+                <a:schemeClr val="dk1"/>
+              </a:buClr>
+              <a:buSzPts val="1100"/>
+              <a:buNone/>
+            </a:pPr>
+            <a:r>
+              <a:rPr lang="en-US" dirty="0" smtClean="0"/>
+              <a:t>}</a:t>
+            </a:r>
+            <a:endParaRPr lang="en-US" dirty="0"/>
+          </a:p>
+        </p:txBody>
+      </p:sp>
+      <p:sp>
+        <p:nvSpPr>
+          <p:cNvPr id="5" name="Google Shape;141;p26"/>
+          <p:cNvSpPr txBox="1">
+            <a:spLocks noGrp="1"/>
+          </p:cNvSpPr>
+          <p:nvPr>
+            <p:ph type="title"/>
+          </p:nvPr>
+        </p:nvSpPr>
+        <p:spPr>
+          <a:xfrm>
+            <a:off x="311700" y="216425"/>
+            <a:ext cx="8520600" cy="572700"/>
+          </a:xfrm>
+          <a:prstGeom prst="rect">
+            <a:avLst/>
+          </a:prstGeom>
+        </p:spPr>
+        <p:txBody>
+          <a:bodyPr spcFirstLastPara="1" wrap="square" lIns="91425" tIns="91425" rIns="91425" bIns="91425" anchor="t" anchorCtr="0">
+            <a:noAutofit/>
+          </a:bodyPr>
+          <a:lstStyle/>
+          <a:p>
+            <a:pPr marL="0" lvl="0" indent="0" algn="l" rtl="0">
+              <a:spcBef>
+                <a:spcPts val="0"/>
+              </a:spcBef>
+              <a:spcAft>
+                <a:spcPts val="0"/>
+              </a:spcAft>
+              <a:buNone/>
+            </a:pPr>
+            <a:r>
+              <a:rPr lang="en" dirty="0"/>
+              <a:t>main.C- Target forces</a:t>
+            </a:r>
+            <a:endParaRPr dirty="0"/>
+          </a:p>
+        </p:txBody>
+      </p:sp>
+    </p:spTree>
+    <p:extLst>
+      <p:ext uri="{BB962C8B-B14F-4D97-AF65-F5344CB8AC3E}">
+        <p14:creationId xmlns:p14="http://schemas.microsoft.com/office/powerpoint/2010/main" val="1505181395"/>
+      </p:ext>
+    </p:extLst>
   </p:cSld>
   <p:clrMapOvr>
     <a:masterClrMapping/>
@@ -8535,10 +8523,10 @@
               <a:buNone/>
             </a:pPr>
             <a:r>
-              <a:rPr lang="en"/>
+              <a:rPr lang="en" dirty="0"/>
               <a:t>main.C - stress tensor functions</a:t>
             </a:r>
-            <a:endParaRPr/>
+            <a:endParaRPr dirty="0"/>
           </a:p>
         </p:txBody>
       </p:sp>
@@ -8554,7 +8542,7 @@
         </p:nvSpPr>
         <p:spPr>
           <a:xfrm>
-            <a:off x="311700" y="1152475"/>
+            <a:off x="311700" y="1017725"/>
             <a:ext cx="8520600" cy="3416400"/>
           </a:xfrm>
           <a:prstGeom prst="rect">
@@ -8567,309 +8555,386 @@
           </a:bodyPr>
           <a:lstStyle/>
           <a:p>
-            <a:pPr marL="0" lvl="0" indent="0" algn="l" rtl="0">
-              <a:spcBef>
-                <a:spcPts val="0"/>
-              </a:spcBef>
-              <a:spcAft>
-                <a:spcPts val="0"/>
-              </a:spcAft>
-              <a:buNone/>
-            </a:pPr>
-            <a:r>
-              <a:rPr lang="en"/>
-              <a:t>We want the middle of the plate to have a different stiffness than the ends.</a:t>
-            </a:r>
-            <a:endParaRPr/>
-          </a:p>
-          <a:p>
-            <a:pPr marL="0" lvl="0" indent="0" algn="l" rtl="0">
-              <a:spcBef>
-                <a:spcPts val="1600"/>
-              </a:spcBef>
-              <a:spcAft>
-                <a:spcPts val="0"/>
-              </a:spcAft>
-              <a:buClr>
-                <a:schemeClr val="dk1"/>
-              </a:buClr>
-              <a:buSzPts val="1100"/>
-              <a:buFont typeface="Arial"/>
-              <a:buNone/>
-            </a:pPr>
-            <a:r>
-              <a:rPr lang="en" sz="1200"/>
-              <a:t>void PK1_dev_stress_function(TensorValue&lt;double&gt;&amp; PP, const TensorValue&lt;double&gt;&amp; FF,</a:t>
-            </a:r>
-            <a:endParaRPr sz="1200"/>
-          </a:p>
-          <a:p>
-            <a:pPr marL="0" lvl="0" indent="0" algn="l" rtl="0">
-              <a:spcBef>
-                <a:spcPts val="0"/>
-              </a:spcBef>
-              <a:spcAft>
-                <a:spcPts val="0"/>
-              </a:spcAft>
-              <a:buClr>
-                <a:schemeClr val="dk1"/>
-              </a:buClr>
-              <a:buSzPts val="1100"/>
-              <a:buFont typeface="Arial"/>
-              <a:buNone/>
-            </a:pPr>
-            <a:r>
-              <a:rPr lang="en" sz="1200"/>
-              <a:t>	const libMesh::Point&amp; /*X*/, const libMesh::Point&amp; s, Elem* const /*elem*/,</a:t>
-            </a:r>
-            <a:endParaRPr sz="1200"/>
-          </a:p>
-          <a:p>
-            <a:pPr marL="0" lvl="0" indent="0" algn="l" rtl="0">
-              <a:spcBef>
-                <a:spcPts val="0"/>
-              </a:spcBef>
-              <a:spcAft>
-                <a:spcPts val="0"/>
-              </a:spcAft>
-              <a:buClr>
-                <a:schemeClr val="dk1"/>
-              </a:buClr>
-              <a:buSzPts val="1100"/>
-              <a:buFont typeface="Arial"/>
-              <a:buNone/>
-            </a:pPr>
-            <a:r>
-              <a:rPr lang="en" sz="1200"/>
-              <a:t>	const vector&lt;NumericVector&lt;double&gt;*&gt;&amp; /*system_data*/, double time, void* /*ctx*/)</a:t>
-            </a:r>
-            <a:endParaRPr sz="1200"/>
-          </a:p>
-          <a:p>
-            <a:pPr marL="0" lvl="0" indent="0" algn="l" rtl="0">
-              <a:spcBef>
-                <a:spcPts val="0"/>
-              </a:spcBef>
-              <a:spcAft>
-                <a:spcPts val="0"/>
-              </a:spcAft>
-              <a:buClr>
-                <a:schemeClr val="dk1"/>
-              </a:buClr>
-              <a:buSzPts val="1100"/>
-              <a:buFont typeface="Arial"/>
-              <a:buNone/>
-            </a:pPr>
-            <a:r>
-              <a:rPr lang="en" sz="1200"/>
+            <a:pPr marL="0" lvl="0" indent="0">
+              <a:buNone/>
+            </a:pPr>
+            <a:r>
+              <a:rPr lang="en-US" sz="1400" dirty="0"/>
+              <a:t>v</a:t>
+            </a:r>
+            <a:r>
+              <a:rPr lang="en-US" sz="1400" dirty="0" smtClean="0"/>
+              <a:t>oid PK1_dev_stress_function(</a:t>
+            </a:r>
+          </a:p>
+          <a:p>
+            <a:pPr marL="0" lvl="0" indent="0">
+              <a:buNone/>
+            </a:pPr>
+            <a:r>
+              <a:rPr lang="en-US" sz="1400" dirty="0"/>
+              <a:t>	</a:t>
+            </a:r>
+            <a:r>
+              <a:rPr lang="en-US" sz="1400" dirty="0" err="1"/>
+              <a:t>TensorValue</a:t>
+            </a:r>
+            <a:r>
+              <a:rPr lang="en-US" sz="1400" dirty="0"/>
+              <a:t>&lt;double&gt;&amp; PP</a:t>
+            </a:r>
+            <a:r>
+              <a:rPr lang="en-US" sz="1400" dirty="0" smtClean="0"/>
+              <a:t>,</a:t>
+            </a:r>
+          </a:p>
+          <a:p>
+            <a:pPr marL="0" lvl="0" indent="0">
+              <a:buNone/>
+            </a:pPr>
+            <a:r>
+              <a:rPr lang="en-US" sz="1400" dirty="0"/>
+              <a:t>	</a:t>
+            </a:r>
+            <a:r>
+              <a:rPr lang="en-US" sz="1400" dirty="0" err="1"/>
+              <a:t>const</a:t>
+            </a:r>
+            <a:r>
+              <a:rPr lang="en-US" sz="1400" dirty="0"/>
+              <a:t> </a:t>
+            </a:r>
+            <a:r>
+              <a:rPr lang="en-US" sz="1400" dirty="0" err="1"/>
+              <a:t>TensorValue</a:t>
+            </a:r>
+            <a:r>
+              <a:rPr lang="en-US" sz="1400" dirty="0"/>
+              <a:t>&lt;double&gt;&amp; FF</a:t>
+            </a:r>
+            <a:r>
+              <a:rPr lang="en-US" sz="1400" dirty="0" smtClean="0"/>
+              <a:t>,</a:t>
+            </a:r>
+          </a:p>
+          <a:p>
+            <a:pPr marL="0" lvl="0" indent="0">
+              <a:buNone/>
+            </a:pPr>
+            <a:r>
+              <a:rPr lang="en-US" sz="1400" dirty="0" smtClean="0"/>
+              <a:t>    	</a:t>
+            </a:r>
+            <a:r>
+              <a:rPr lang="en-US" sz="1400" dirty="0" err="1" smtClean="0"/>
+              <a:t>const</a:t>
+            </a:r>
+            <a:r>
+              <a:rPr lang="en-US" sz="1400" dirty="0" smtClean="0"/>
+              <a:t> </a:t>
+            </a:r>
+            <a:r>
+              <a:rPr lang="en-US" sz="1400" dirty="0" err="1"/>
+              <a:t>libMesh</a:t>
+            </a:r>
+            <a:r>
+              <a:rPr lang="en-US" sz="1400" dirty="0"/>
+              <a:t>::Point&amp; X</a:t>
+            </a:r>
+            <a:r>
+              <a:rPr lang="en-US" sz="1400" dirty="0" smtClean="0"/>
+              <a:t>,</a:t>
+            </a:r>
+          </a:p>
+          <a:p>
+            <a:pPr marL="0" lvl="0" indent="0">
+              <a:buNone/>
+            </a:pPr>
+            <a:r>
+              <a:rPr lang="en-US" sz="1400" dirty="0" smtClean="0"/>
+              <a:t>   	 </a:t>
+            </a:r>
+            <a:r>
+              <a:rPr lang="en-US" sz="1400" dirty="0" err="1"/>
+              <a:t>const</a:t>
+            </a:r>
+            <a:r>
+              <a:rPr lang="en-US" sz="1400" dirty="0"/>
+              <a:t> </a:t>
+            </a:r>
+            <a:r>
+              <a:rPr lang="en-US" sz="1400" dirty="0" err="1"/>
+              <a:t>libMesh</a:t>
+            </a:r>
+            <a:r>
+              <a:rPr lang="en-US" sz="1400" dirty="0"/>
+              <a:t>::Point&amp; s</a:t>
+            </a:r>
+            <a:r>
+              <a:rPr lang="en-US" sz="1400" dirty="0" smtClean="0"/>
+              <a:t>,</a:t>
+            </a:r>
+          </a:p>
+          <a:p>
+            <a:pPr marL="0" lvl="0" indent="0">
+              <a:buNone/>
+            </a:pPr>
+            <a:r>
+              <a:rPr lang="en-US" sz="1400" dirty="0" smtClean="0"/>
+              <a:t>   	 </a:t>
+            </a:r>
+            <a:r>
+              <a:rPr lang="en-US" sz="1400" dirty="0"/>
+              <a:t>Elem* </a:t>
+            </a:r>
+            <a:r>
+              <a:rPr lang="en-US" sz="1400" dirty="0" err="1"/>
+              <a:t>const</a:t>
+            </a:r>
+            <a:r>
+              <a:rPr lang="en-US" sz="1400" dirty="0"/>
+              <a:t> /*</a:t>
+            </a:r>
+            <a:r>
+              <a:rPr lang="en-US" sz="1400" dirty="0" err="1"/>
+              <a:t>elem</a:t>
+            </a:r>
+            <a:r>
+              <a:rPr lang="en-US" sz="1400" dirty="0" smtClean="0"/>
+              <a:t>*/,</a:t>
+            </a:r>
+          </a:p>
+          <a:p>
+            <a:pPr marL="0" lvl="0" indent="0">
+              <a:buNone/>
+            </a:pPr>
+            <a:r>
+              <a:rPr lang="en-US" sz="1400" dirty="0" smtClean="0"/>
+              <a:t>    	</a:t>
+            </a:r>
+            <a:r>
+              <a:rPr lang="en-US" sz="1400" dirty="0" err="1" smtClean="0"/>
+              <a:t>const</a:t>
+            </a:r>
+            <a:r>
+              <a:rPr lang="en-US" sz="1400" dirty="0" smtClean="0"/>
+              <a:t> </a:t>
+            </a:r>
+            <a:r>
+              <a:rPr lang="en-US" sz="1400" dirty="0" err="1"/>
+              <a:t>std</a:t>
+            </a:r>
+            <a:r>
+              <a:rPr lang="en-US" sz="1400" dirty="0"/>
+              <a:t>::vector&lt;</a:t>
+            </a:r>
+            <a:r>
+              <a:rPr lang="en-US" sz="1400" dirty="0" err="1"/>
+              <a:t>const</a:t>
+            </a:r>
+            <a:r>
+              <a:rPr lang="en-US" sz="1400" dirty="0"/>
+              <a:t> </a:t>
+            </a:r>
+            <a:r>
+              <a:rPr lang="en-US" sz="1400" dirty="0" err="1"/>
+              <a:t>std</a:t>
+            </a:r>
+            <a:r>
+              <a:rPr lang="en-US" sz="1400" dirty="0"/>
+              <a:t>::vector&lt;double&gt;*&gt;&amp; /*</a:t>
+            </a:r>
+            <a:r>
+              <a:rPr lang="en-US" sz="1400" dirty="0" err="1"/>
+              <a:t>var_data</a:t>
+            </a:r>
+            <a:r>
+              <a:rPr lang="en-US" sz="1400" dirty="0" smtClean="0"/>
+              <a:t>*/,</a:t>
+            </a:r>
+          </a:p>
+          <a:p>
+            <a:pPr marL="0" lvl="0" indent="0">
+              <a:buNone/>
+            </a:pPr>
+            <a:r>
+              <a:rPr lang="en-US" sz="1400" dirty="0" smtClean="0"/>
+              <a:t>    	</a:t>
+            </a:r>
+            <a:r>
+              <a:rPr lang="en-US" sz="1400" dirty="0" err="1" smtClean="0"/>
+              <a:t>const</a:t>
+            </a:r>
+            <a:r>
+              <a:rPr lang="en-US" sz="1400" dirty="0" smtClean="0"/>
+              <a:t> </a:t>
+            </a:r>
+            <a:r>
+              <a:rPr lang="en-US" sz="1400" dirty="0" err="1"/>
+              <a:t>std</a:t>
+            </a:r>
+            <a:r>
+              <a:rPr lang="en-US" sz="1400" dirty="0"/>
+              <a:t>::vector&lt;</a:t>
+            </a:r>
+            <a:r>
+              <a:rPr lang="en-US" sz="1400" dirty="0" err="1"/>
+              <a:t>const</a:t>
+            </a:r>
+            <a:r>
+              <a:rPr lang="en-US" sz="1400" dirty="0"/>
+              <a:t> </a:t>
+            </a:r>
+            <a:r>
+              <a:rPr lang="en-US" sz="1400" dirty="0" err="1"/>
+              <a:t>std</a:t>
+            </a:r>
+            <a:r>
+              <a:rPr lang="en-US" sz="1400" dirty="0"/>
+              <a:t>::vector&lt;</a:t>
+            </a:r>
+            <a:r>
+              <a:rPr lang="en-US" sz="1400" dirty="0" err="1"/>
+              <a:t>VectorValue</a:t>
+            </a:r>
+            <a:r>
+              <a:rPr lang="en-US" sz="1400" dirty="0"/>
+              <a:t>&lt;double&gt; &gt;*&gt;&amp; /*</a:t>
+            </a:r>
+            <a:r>
+              <a:rPr lang="en-US" sz="1400" dirty="0" err="1"/>
+              <a:t>grad_var_data</a:t>
+            </a:r>
+            <a:r>
+              <a:rPr lang="en-US" sz="1400" dirty="0" smtClean="0"/>
+              <a:t>*/,</a:t>
+            </a:r>
+          </a:p>
+          <a:p>
+            <a:pPr marL="0" lvl="0" indent="0">
+              <a:buNone/>
+            </a:pPr>
+            <a:r>
+              <a:rPr lang="en-US" sz="1400" dirty="0" smtClean="0"/>
+              <a:t>   	 </a:t>
+            </a:r>
+            <a:r>
+              <a:rPr lang="en-US" sz="1400" dirty="0"/>
+              <a:t>double time</a:t>
+            </a:r>
+            <a:r>
+              <a:rPr lang="en-US" sz="1400" dirty="0" smtClean="0"/>
+              <a:t>,</a:t>
+            </a:r>
+          </a:p>
+          <a:p>
+            <a:pPr marL="0" lvl="0" indent="0">
+              <a:buNone/>
+            </a:pPr>
+            <a:r>
+              <a:rPr lang="en-US" sz="1400" dirty="0"/>
+              <a:t>	void* /*</a:t>
+            </a:r>
+            <a:r>
+              <a:rPr lang="en-US" sz="1400" dirty="0" err="1"/>
+              <a:t>ctx</a:t>
+            </a:r>
+            <a:r>
+              <a:rPr lang="en-US" sz="1400" dirty="0" smtClean="0"/>
+              <a:t>*/)</a:t>
+            </a:r>
+          </a:p>
+          <a:p>
+            <a:pPr marL="0" lvl="0" indent="0">
+              <a:buNone/>
+            </a:pPr>
+            <a:r>
+              <a:rPr lang="en-US" sz="1400" dirty="0" smtClean="0"/>
               <a:t>{</a:t>
             </a:r>
-            <a:endParaRPr sz="1200"/>
-          </a:p>
-          <a:p>
-            <a:pPr marL="0" lvl="0" indent="0" algn="l" rtl="0">
-              <a:spcBef>
-                <a:spcPts val="0"/>
-              </a:spcBef>
-              <a:spcAft>
-                <a:spcPts val="0"/>
-              </a:spcAft>
-              <a:buClr>
-                <a:schemeClr val="dk1"/>
-              </a:buClr>
-              <a:buSzPts val="1100"/>
-              <a:buFont typeface="Arial"/>
-              <a:buNone/>
-            </a:pPr>
-            <a:r>
-              <a:rPr lang="en" sz="1200"/>
-              <a:t>	double mu;</a:t>
-            </a:r>
-            <a:endParaRPr sz="1200"/>
-          </a:p>
-          <a:p>
-            <a:pPr marL="0" lvl="0" indent="0" algn="l" rtl="0">
-              <a:spcBef>
-                <a:spcPts val="0"/>
-              </a:spcBef>
-              <a:spcAft>
-                <a:spcPts val="0"/>
-              </a:spcAft>
-              <a:buClr>
-                <a:schemeClr val="dk1"/>
-              </a:buClr>
-              <a:buSzPts val="1100"/>
-              <a:buFont typeface="Arial"/>
-              <a:buNone/>
-            </a:pPr>
-            <a:r>
-              <a:rPr lang="en" sz="1200"/>
-              <a:t>	// lines below apply one stiffness value to  middle, and the rest gets another stiffness</a:t>
-            </a:r>
-            <a:endParaRPr sz="1200"/>
-          </a:p>
-          <a:p>
-            <a:pPr marL="0" lvl="0" indent="0" algn="l" rtl="0">
-              <a:spcBef>
-                <a:spcPts val="0"/>
-              </a:spcBef>
-              <a:spcAft>
-                <a:spcPts val="0"/>
-              </a:spcAft>
-              <a:buClr>
-                <a:schemeClr val="dk1"/>
-              </a:buClr>
-              <a:buSzPts val="1100"/>
-              <a:buFont typeface="Arial"/>
-              <a:buNone/>
-            </a:pPr>
-            <a:r>
-              <a:rPr lang="en" sz="1200"/>
-              <a:t>	if (abs(s(2)) &lt; .25)</a:t>
-            </a:r>
-            <a:endParaRPr sz="1200"/>
-          </a:p>
-          <a:p>
-            <a:pPr marL="0" lvl="0" indent="0" algn="l" rtl="0">
-              <a:spcBef>
-                <a:spcPts val="0"/>
-              </a:spcBef>
-              <a:spcAft>
-                <a:spcPts val="0"/>
-              </a:spcAft>
-              <a:buClr>
-                <a:schemeClr val="dk1"/>
-              </a:buClr>
-              <a:buSzPts val="1100"/>
-              <a:buFont typeface="Arial"/>
-              <a:buNone/>
-            </a:pPr>
-            <a:r>
-              <a:rPr lang="en" sz="1200"/>
-              <a:t>	{</a:t>
-            </a:r>
-            <a:endParaRPr sz="1200"/>
-          </a:p>
-          <a:p>
-            <a:pPr marL="0" lvl="0" indent="0" algn="l" rtl="0">
-              <a:spcBef>
-                <a:spcPts val="0"/>
-              </a:spcBef>
-              <a:spcAft>
-                <a:spcPts val="0"/>
-              </a:spcAft>
-              <a:buClr>
-                <a:schemeClr val="dk1"/>
-              </a:buClr>
-              <a:buSzPts val="1100"/>
-              <a:buFont typeface="Arial"/>
-              <a:buNone/>
-            </a:pPr>
-            <a:r>
-              <a:rPr lang="en" sz="1200"/>
-              <a:t>    	mu = mu_stem;</a:t>
-            </a:r>
-            <a:endParaRPr sz="1200"/>
-          </a:p>
-          <a:p>
-            <a:pPr marL="0" lvl="0" indent="0" algn="l" rtl="0">
-              <a:spcBef>
-                <a:spcPts val="0"/>
-              </a:spcBef>
-              <a:spcAft>
-                <a:spcPts val="0"/>
-              </a:spcAft>
-              <a:buClr>
-                <a:schemeClr val="dk1"/>
-              </a:buClr>
-              <a:buSzPts val="1100"/>
-              <a:buFont typeface="Arial"/>
-              <a:buNone/>
-            </a:pPr>
-            <a:r>
-              <a:rPr lang="en" sz="1200"/>
-              <a:t>	}</a:t>
-            </a:r>
-            <a:endParaRPr sz="1200"/>
-          </a:p>
-          <a:p>
-            <a:pPr marL="0" lvl="0" indent="0" algn="l" rtl="0">
-              <a:spcBef>
-                <a:spcPts val="0"/>
-              </a:spcBef>
-              <a:spcAft>
-                <a:spcPts val="0"/>
-              </a:spcAft>
-              <a:buClr>
-                <a:schemeClr val="dk1"/>
-              </a:buClr>
-              <a:buSzPts val="1100"/>
-              <a:buFont typeface="Arial"/>
-              <a:buNone/>
-            </a:pPr>
-            <a:r>
-              <a:rPr lang="en" sz="1200"/>
-              <a:t>	else</a:t>
-            </a:r>
-            <a:endParaRPr sz="1200"/>
-          </a:p>
-          <a:p>
-            <a:pPr marL="0" lvl="0" indent="0" algn="l" rtl="0">
-              <a:spcBef>
-                <a:spcPts val="0"/>
-              </a:spcBef>
-              <a:spcAft>
-                <a:spcPts val="0"/>
-              </a:spcAft>
-              <a:buClr>
-                <a:schemeClr val="dk1"/>
-              </a:buClr>
-              <a:buSzPts val="1100"/>
-              <a:buFont typeface="Arial"/>
-              <a:buNone/>
-            </a:pPr>
-            <a:r>
-              <a:rPr lang="en" sz="1200"/>
-              <a:t>	{</a:t>
-            </a:r>
-            <a:endParaRPr sz="1200"/>
-          </a:p>
-          <a:p>
-            <a:pPr marL="0" lvl="0" indent="0" algn="l" rtl="0">
-              <a:spcBef>
-                <a:spcPts val="0"/>
-              </a:spcBef>
-              <a:spcAft>
-                <a:spcPts val="0"/>
-              </a:spcAft>
-              <a:buClr>
-                <a:schemeClr val="dk1"/>
-              </a:buClr>
-              <a:buSzPts val="1100"/>
-              <a:buFont typeface="Arial"/>
-              <a:buNone/>
-            </a:pPr>
-            <a:r>
-              <a:rPr lang="en" sz="1200"/>
-              <a:t>    	mu = mu_leaf;</a:t>
-            </a:r>
-            <a:endParaRPr sz="1200"/>
-          </a:p>
-          <a:p>
-            <a:pPr marL="0" lvl="0" indent="0" algn="l" rtl="0">
-              <a:spcBef>
-                <a:spcPts val="0"/>
-              </a:spcBef>
-              <a:spcAft>
-                <a:spcPts val="0"/>
-              </a:spcAft>
-              <a:buNone/>
-            </a:pPr>
-            <a:r>
-              <a:rPr lang="en" sz="1200"/>
-              <a:t>	}</a:t>
-            </a:r>
-            <a:endParaRPr sz="1200"/>
+          </a:p>
+          <a:p>
+            <a:pPr marL="0" lvl="0" indent="0">
+              <a:buNone/>
+            </a:pPr>
+            <a:r>
+              <a:rPr lang="en-US" sz="1400" dirty="0" smtClean="0"/>
+              <a:t>    </a:t>
+            </a:r>
+            <a:r>
+              <a:rPr lang="en-US" sz="1400" dirty="0"/>
+              <a:t>double mu;            </a:t>
+            </a:r>
+            <a:endParaRPr lang="en-US" sz="1400" dirty="0" smtClean="0"/>
+          </a:p>
+          <a:p>
+            <a:pPr marL="0" lvl="0" indent="0">
+              <a:buNone/>
+            </a:pPr>
+            <a:r>
+              <a:rPr lang="en-US" sz="1400" dirty="0" smtClean="0"/>
+              <a:t>    mu </a:t>
+            </a:r>
+            <a:r>
+              <a:rPr lang="en-US" sz="1400" dirty="0"/>
+              <a:t>= </a:t>
+            </a:r>
+            <a:r>
+              <a:rPr lang="en-US" sz="1400" dirty="0" err="1"/>
+              <a:t>mu_stem</a:t>
+            </a:r>
+            <a:r>
+              <a:rPr lang="en-US" sz="1400" dirty="0" smtClean="0"/>
+              <a:t>;</a:t>
+            </a:r>
+          </a:p>
+          <a:p>
+            <a:pPr marL="0" lvl="0" indent="0">
+              <a:buNone/>
+            </a:pPr>
+            <a:r>
+              <a:rPr lang="en-US" sz="1400" dirty="0" smtClean="0"/>
+              <a:t>    </a:t>
+            </a:r>
+            <a:r>
+              <a:rPr lang="en-US" sz="1400" dirty="0"/>
+              <a:t>PP = (mu)*FF</a:t>
+            </a:r>
+            <a:r>
+              <a:rPr lang="en-US" sz="1400" dirty="0" smtClean="0"/>
+              <a:t>;</a:t>
+            </a:r>
+          </a:p>
+          <a:p>
+            <a:pPr marL="0" lvl="0" indent="0">
+              <a:buNone/>
+            </a:pPr>
+            <a:r>
+              <a:rPr lang="en-US" sz="1400" dirty="0" smtClean="0"/>
+              <a:t>    </a:t>
+            </a:r>
+            <a:r>
+              <a:rPr lang="en-US" sz="1400" dirty="0"/>
+              <a:t>return</a:t>
+            </a:r>
+            <a:r>
+              <a:rPr lang="en-US" sz="1400" dirty="0" smtClean="0"/>
+              <a:t>;</a:t>
+            </a:r>
+          </a:p>
+          <a:p>
+            <a:pPr marL="0" lvl="0" indent="0">
+              <a:buNone/>
+            </a:pPr>
+            <a:r>
+              <a:rPr lang="en-US" sz="1400" dirty="0" smtClean="0"/>
+              <a:t>} </a:t>
+            </a:r>
+            <a:r>
+              <a:rPr lang="en-US" sz="1400" dirty="0"/>
+              <a:t>// PK1_dev_stress_function</a:t>
+            </a:r>
+            <a:endParaRPr sz="1400" dirty="0"/>
           </a:p>
         </p:txBody>
       </p:sp>
@@ -8947,407 +9012,399 @@
       </p:sp>
       <p:sp>
         <p:nvSpPr>
-          <p:cNvPr id="155" name="Google Shape;155;p28"/>
-          <p:cNvSpPr txBox="1">
-            <a:spLocks noGrp="1"/>
-          </p:cNvSpPr>
-          <p:nvPr>
-            <p:ph type="body" idx="1"/>
-          </p:nvPr>
+          <p:cNvPr id="3" name="Rectangle 2"/>
+          <p:cNvSpPr/>
+          <p:nvPr/>
         </p:nvSpPr>
         <p:spPr>
           <a:xfrm>
-            <a:off x="311700" y="1152475"/>
-            <a:ext cx="8520600" cy="3416400"/>
+            <a:off x="311700" y="1017725"/>
+            <a:ext cx="9002988" cy="3970318"/>
           </a:xfrm>
           <a:prstGeom prst="rect">
             <a:avLst/>
           </a:prstGeom>
         </p:spPr>
         <p:txBody>
-          <a:bodyPr spcFirstLastPara="1" wrap="square" lIns="91425" tIns="91425" rIns="91425" bIns="91425" anchor="t" anchorCtr="0">
-            <a:noAutofit/>
+          <a:bodyPr wrap="square">
+            <a:spAutoFit/>
           </a:bodyPr>
           <a:lstStyle/>
           <a:p>
-            <a:pPr marL="0" lvl="0" indent="0" algn="l" rtl="0">
-              <a:spcBef>
-                <a:spcPts val="0"/>
-              </a:spcBef>
-              <a:spcAft>
-                <a:spcPts val="0"/>
-              </a:spcAft>
-              <a:buNone/>
-            </a:pPr>
-            <a:r>
-              <a:rPr lang="en"/>
-              <a:t>Repeat for dilation stress function.</a:t>
-            </a:r>
-            <a:endParaRPr/>
-          </a:p>
-          <a:p>
-            <a:pPr marL="0" lvl="0" indent="0" algn="l" rtl="0">
-              <a:spcBef>
-                <a:spcPts val="0"/>
-              </a:spcBef>
-              <a:spcAft>
-                <a:spcPts val="0"/>
-              </a:spcAft>
-              <a:buNone/>
-            </a:pPr>
-            <a:endParaRPr/>
-          </a:p>
-          <a:p>
-            <a:pPr marL="0" lvl="0" indent="0" algn="l" rtl="0">
-              <a:spcBef>
-                <a:spcPts val="0"/>
-              </a:spcBef>
-              <a:spcAft>
-                <a:spcPts val="0"/>
-              </a:spcAft>
-              <a:buClr>
-                <a:schemeClr val="dk1"/>
-              </a:buClr>
-              <a:buSzPts val="1100"/>
-              <a:buFont typeface="Arial"/>
-              <a:buNone/>
-            </a:pPr>
-            <a:r>
-              <a:rPr lang="en" sz="1000"/>
-              <a:t>void PK1_dil_stress_function(TensorValue&lt;double&gt;&amp; PP, const TensorValue&lt;double&gt;&amp; FF,</a:t>
-            </a:r>
-            <a:endParaRPr sz="1000"/>
-          </a:p>
-          <a:p>
-            <a:pPr marL="0" lvl="0" indent="0" algn="l" rtl="0">
-              <a:spcBef>
-                <a:spcPts val="0"/>
-              </a:spcBef>
-              <a:spcAft>
-                <a:spcPts val="0"/>
-              </a:spcAft>
-              <a:buClr>
-                <a:schemeClr val="dk1"/>
-              </a:buClr>
-              <a:buSzPts val="1100"/>
-              <a:buFont typeface="Arial"/>
-              <a:buNone/>
-            </a:pPr>
-            <a:r>
-              <a:rPr lang="en" sz="1000"/>
-              <a:t>	const libMesh::Point&amp; /*X*/, const libMesh::Point&amp; s, Elem* const /*elem*/,</a:t>
-            </a:r>
-            <a:endParaRPr sz="1000"/>
-          </a:p>
-          <a:p>
-            <a:pPr marL="0" lvl="0" indent="0" algn="l" rtl="0">
-              <a:spcBef>
-                <a:spcPts val="0"/>
-              </a:spcBef>
-              <a:spcAft>
-                <a:spcPts val="0"/>
-              </a:spcAft>
-              <a:buClr>
-                <a:schemeClr val="dk1"/>
-              </a:buClr>
-              <a:buSzPts val="1100"/>
-              <a:buFont typeface="Arial"/>
-              <a:buNone/>
-            </a:pPr>
-            <a:r>
-              <a:rPr lang="en" sz="1000"/>
-              <a:t>	const vector&lt;NumericVector&lt;double&gt;*&gt;&amp; /*system_data*/, double /*time*/, void* /*ctx*/)</a:t>
-            </a:r>
-            <a:endParaRPr sz="1000"/>
-          </a:p>
-          <a:p>
-            <a:pPr marL="0" lvl="0" indent="0" algn="l" rtl="0">
-              <a:spcBef>
-                <a:spcPts val="0"/>
-              </a:spcBef>
-              <a:spcAft>
-                <a:spcPts val="0"/>
-              </a:spcAft>
-              <a:buClr>
-                <a:schemeClr val="dk1"/>
-              </a:buClr>
-              <a:buSzPts val="1100"/>
-              <a:buFont typeface="Arial"/>
-              <a:buNone/>
-            </a:pPr>
-            <a:r>
-              <a:rPr lang="en" sz="1000"/>
-              <a:t>{</a:t>
-            </a:r>
-            <a:endParaRPr sz="1000"/>
-          </a:p>
-          <a:p>
-            <a:pPr marL="0" lvl="0" indent="0" algn="l" rtl="0">
-              <a:spcBef>
-                <a:spcPts val="0"/>
-              </a:spcBef>
-              <a:spcAft>
-                <a:spcPts val="0"/>
-              </a:spcAft>
-              <a:buClr>
-                <a:schemeClr val="dk1"/>
-              </a:buClr>
-              <a:buSzPts val="1100"/>
-              <a:buFont typeface="Arial"/>
-              <a:buNone/>
-            </a:pPr>
-            <a:r>
-              <a:rPr lang="en" sz="1000"/>
-              <a:t>	double mu;</a:t>
-            </a:r>
-            <a:endParaRPr sz="1000"/>
-          </a:p>
-          <a:p>
-            <a:pPr marL="0" lvl="0" indent="0" algn="l" rtl="0">
-              <a:spcBef>
-                <a:spcPts val="0"/>
-              </a:spcBef>
-              <a:spcAft>
-                <a:spcPts val="0"/>
-              </a:spcAft>
-              <a:buClr>
-                <a:schemeClr val="dk1"/>
-              </a:buClr>
-              <a:buSzPts val="1100"/>
-              <a:buFont typeface="Arial"/>
-              <a:buNone/>
-            </a:pPr>
-            <a:r>
-              <a:rPr lang="en" sz="1000"/>
-              <a:t>	double beta;</a:t>
-            </a:r>
-            <a:endParaRPr sz="1000"/>
-          </a:p>
-          <a:p>
-            <a:pPr marL="0" lvl="0" indent="0" algn="l" rtl="0">
-              <a:spcBef>
-                <a:spcPts val="0"/>
-              </a:spcBef>
-              <a:spcAft>
-                <a:spcPts val="0"/>
-              </a:spcAft>
-              <a:buClr>
-                <a:schemeClr val="dk1"/>
-              </a:buClr>
-              <a:buSzPts val="1100"/>
-              <a:buFont typeface="Arial"/>
-              <a:buNone/>
-            </a:pPr>
-            <a:r>
-              <a:rPr lang="en" sz="1000"/>
-              <a:t>	// lines below apply one stiffness value to  middle, and the rest gets another stiffness</a:t>
-            </a:r>
-            <a:endParaRPr sz="1000"/>
-          </a:p>
-          <a:p>
-            <a:pPr marL="0" lvl="0" indent="0" algn="l" rtl="0">
-              <a:spcBef>
-                <a:spcPts val="0"/>
-              </a:spcBef>
-              <a:spcAft>
-                <a:spcPts val="0"/>
-              </a:spcAft>
-              <a:buClr>
-                <a:schemeClr val="dk1"/>
-              </a:buClr>
-              <a:buSzPts val="1100"/>
-              <a:buFont typeface="Arial"/>
-              <a:buNone/>
-            </a:pPr>
-            <a:r>
-              <a:rPr lang="en" sz="1000"/>
-              <a:t>	if (abs(s(2)) &lt; .25)</a:t>
-            </a:r>
-            <a:endParaRPr sz="1000"/>
-          </a:p>
-          <a:p>
-            <a:pPr marL="0" lvl="0" indent="0" algn="l" rtl="0">
-              <a:spcBef>
-                <a:spcPts val="0"/>
-              </a:spcBef>
-              <a:spcAft>
-                <a:spcPts val="0"/>
-              </a:spcAft>
-              <a:buClr>
-                <a:schemeClr val="dk1"/>
-              </a:buClr>
-              <a:buSzPts val="1100"/>
-              <a:buFont typeface="Arial"/>
-              <a:buNone/>
-            </a:pPr>
-            <a:r>
-              <a:rPr lang="en" sz="1000"/>
-              <a:t>	{</a:t>
-            </a:r>
-            <a:endParaRPr sz="1000"/>
-          </a:p>
-          <a:p>
-            <a:pPr marL="0" lvl="0" indent="0" algn="l" rtl="0">
-              <a:spcBef>
-                <a:spcPts val="0"/>
-              </a:spcBef>
-              <a:spcAft>
-                <a:spcPts val="0"/>
-              </a:spcAft>
-              <a:buClr>
-                <a:schemeClr val="dk1"/>
-              </a:buClr>
-              <a:buSzPts val="1100"/>
-              <a:buFont typeface="Arial"/>
-              <a:buNone/>
-            </a:pPr>
-            <a:r>
-              <a:rPr lang="en" sz="1000"/>
-              <a:t>    	mu = mu_stem;</a:t>
-            </a:r>
-            <a:endParaRPr sz="1000"/>
-          </a:p>
-          <a:p>
-            <a:pPr marL="0" lvl="0" indent="0" algn="l" rtl="0">
-              <a:spcBef>
-                <a:spcPts val="0"/>
-              </a:spcBef>
-              <a:spcAft>
-                <a:spcPts val="0"/>
-              </a:spcAft>
-              <a:buClr>
-                <a:schemeClr val="dk1"/>
-              </a:buClr>
-              <a:buSzPts val="1100"/>
-              <a:buFont typeface="Arial"/>
-              <a:buNone/>
-            </a:pPr>
-            <a:r>
-              <a:rPr lang="en" sz="1000"/>
-              <a:t>    	beta = beta_stem;</a:t>
-            </a:r>
-            <a:endParaRPr sz="1000"/>
-          </a:p>
-          <a:p>
-            <a:pPr marL="0" lvl="0" indent="0" algn="l" rtl="0">
-              <a:spcBef>
-                <a:spcPts val="0"/>
-              </a:spcBef>
-              <a:spcAft>
-                <a:spcPts val="0"/>
-              </a:spcAft>
-              <a:buClr>
-                <a:schemeClr val="dk1"/>
-              </a:buClr>
-              <a:buSzPts val="1100"/>
-              <a:buFont typeface="Arial"/>
-              <a:buNone/>
-            </a:pPr>
-            <a:r>
-              <a:rPr lang="en" sz="1000"/>
-              <a:t>	}</a:t>
-            </a:r>
-            <a:endParaRPr sz="1000"/>
-          </a:p>
-          <a:p>
-            <a:pPr marL="0" lvl="0" indent="0" algn="l" rtl="0">
-              <a:spcBef>
-                <a:spcPts val="0"/>
-              </a:spcBef>
-              <a:spcAft>
-                <a:spcPts val="0"/>
-              </a:spcAft>
-              <a:buClr>
-                <a:schemeClr val="dk1"/>
-              </a:buClr>
-              <a:buSzPts val="1100"/>
-              <a:buFont typeface="Arial"/>
-              <a:buNone/>
-            </a:pPr>
-            <a:r>
-              <a:rPr lang="en" sz="1000"/>
-              <a:t>	else</a:t>
-            </a:r>
-            <a:endParaRPr sz="1000"/>
-          </a:p>
-          <a:p>
-            <a:pPr marL="0" lvl="0" indent="0" algn="l" rtl="0">
-              <a:spcBef>
-                <a:spcPts val="0"/>
-              </a:spcBef>
-              <a:spcAft>
-                <a:spcPts val="0"/>
-              </a:spcAft>
-              <a:buClr>
-                <a:schemeClr val="dk1"/>
-              </a:buClr>
-              <a:buSzPts val="1100"/>
-              <a:buFont typeface="Arial"/>
-              <a:buNone/>
-            </a:pPr>
-            <a:r>
-              <a:rPr lang="en" sz="1000"/>
-              <a:t>	{</a:t>
-            </a:r>
-            <a:endParaRPr sz="1000"/>
-          </a:p>
-          <a:p>
-            <a:pPr marL="0" lvl="0" indent="0" algn="l" rtl="0">
-              <a:spcBef>
-                <a:spcPts val="0"/>
-              </a:spcBef>
-              <a:spcAft>
-                <a:spcPts val="0"/>
-              </a:spcAft>
-              <a:buClr>
-                <a:schemeClr val="dk1"/>
-              </a:buClr>
-              <a:buSzPts val="1100"/>
-              <a:buFont typeface="Arial"/>
-              <a:buNone/>
-            </a:pPr>
-            <a:r>
-              <a:rPr lang="en" sz="1000"/>
-              <a:t>    	mu = mu_leaf;</a:t>
-            </a:r>
-            <a:endParaRPr sz="1000"/>
-          </a:p>
-          <a:p>
-            <a:pPr marL="0" lvl="0" indent="0" algn="l" rtl="0">
-              <a:spcBef>
-                <a:spcPts val="0"/>
-              </a:spcBef>
-              <a:spcAft>
-                <a:spcPts val="0"/>
-              </a:spcAft>
-              <a:buClr>
-                <a:schemeClr val="dk1"/>
-              </a:buClr>
-              <a:buSzPts val="1100"/>
-              <a:buFont typeface="Arial"/>
-              <a:buNone/>
-            </a:pPr>
-            <a:r>
-              <a:rPr lang="en" sz="1000"/>
-              <a:t>    	beta = beta_leaf;</a:t>
-            </a:r>
-            <a:endParaRPr sz="1000"/>
-          </a:p>
-          <a:p>
-            <a:pPr marL="0" lvl="0" indent="0" algn="l" rtl="0">
-              <a:spcBef>
-                <a:spcPts val="0"/>
-              </a:spcBef>
-              <a:spcAft>
-                <a:spcPts val="0"/>
-              </a:spcAft>
-              <a:buNone/>
-            </a:pPr>
-            <a:r>
-              <a:rPr lang="en" sz="1000"/>
-              <a:t>	}</a:t>
-            </a:r>
-            <a:endParaRPr sz="1000"/>
+            <a:r>
+              <a:rPr lang="en-US" dirty="0" smtClean="0"/>
+              <a:t>Void PK1_dil_stress_function(</a:t>
+            </a:r>
+          </a:p>
+          <a:p>
+            <a:r>
+              <a:rPr lang="en-US" dirty="0"/>
+              <a:t>	</a:t>
+            </a:r>
+            <a:r>
+              <a:rPr lang="en-US" dirty="0" err="1"/>
+              <a:t>TensorValue</a:t>
+            </a:r>
+            <a:r>
+              <a:rPr lang="en-US" dirty="0"/>
+              <a:t>&lt;double&gt;&amp; PP</a:t>
+            </a:r>
+            <a:r>
+              <a:rPr lang="en-US" dirty="0" smtClean="0"/>
+              <a:t>,</a:t>
+            </a:r>
+          </a:p>
+          <a:p>
+            <a:r>
+              <a:rPr lang="en-US" dirty="0"/>
+              <a:t>	</a:t>
+            </a:r>
+            <a:r>
+              <a:rPr lang="en-US" dirty="0" err="1"/>
+              <a:t>const</a:t>
+            </a:r>
+            <a:r>
+              <a:rPr lang="en-US" dirty="0"/>
+              <a:t> </a:t>
+            </a:r>
+            <a:r>
+              <a:rPr lang="en-US" dirty="0" err="1"/>
+              <a:t>TensorValue</a:t>
+            </a:r>
+            <a:r>
+              <a:rPr lang="en-US" dirty="0"/>
+              <a:t>&lt;double&gt;&amp; FF</a:t>
+            </a:r>
+            <a:r>
+              <a:rPr lang="en-US" dirty="0" smtClean="0"/>
+              <a:t>,</a:t>
+            </a:r>
+          </a:p>
+          <a:p>
+            <a:r>
+              <a:rPr lang="en-US" dirty="0" smtClean="0"/>
+              <a:t>    	</a:t>
+            </a:r>
+            <a:r>
+              <a:rPr lang="en-US" dirty="0" err="1" smtClean="0"/>
+              <a:t>const</a:t>
+            </a:r>
+            <a:r>
+              <a:rPr lang="en-US" dirty="0" smtClean="0"/>
+              <a:t> </a:t>
+            </a:r>
+            <a:r>
+              <a:rPr lang="en-US" dirty="0" err="1"/>
+              <a:t>libMesh</a:t>
+            </a:r>
+            <a:r>
+              <a:rPr lang="en-US" dirty="0"/>
+              <a:t>::Point&amp; X</a:t>
+            </a:r>
+            <a:r>
+              <a:rPr lang="en-US" dirty="0" smtClean="0"/>
+              <a:t>,</a:t>
+            </a:r>
+          </a:p>
+          <a:p>
+            <a:r>
+              <a:rPr lang="en-US" dirty="0" smtClean="0"/>
+              <a:t>   	 </a:t>
+            </a:r>
+            <a:r>
+              <a:rPr lang="en-US" dirty="0" err="1"/>
+              <a:t>const</a:t>
+            </a:r>
+            <a:r>
+              <a:rPr lang="en-US" dirty="0"/>
+              <a:t> </a:t>
+            </a:r>
+            <a:r>
+              <a:rPr lang="en-US" dirty="0" err="1"/>
+              <a:t>libMesh</a:t>
+            </a:r>
+            <a:r>
+              <a:rPr lang="en-US" dirty="0"/>
+              <a:t>::Point&amp; s</a:t>
+            </a:r>
+            <a:r>
+              <a:rPr lang="en-US" dirty="0" smtClean="0"/>
+              <a:t>,</a:t>
+            </a:r>
+          </a:p>
+          <a:p>
+            <a:r>
+              <a:rPr lang="en-US" dirty="0" smtClean="0"/>
+              <a:t>   	Elem</a:t>
+            </a:r>
+            <a:r>
+              <a:rPr lang="en-US" dirty="0"/>
+              <a:t>* </a:t>
+            </a:r>
+            <a:r>
+              <a:rPr lang="en-US" dirty="0" err="1"/>
+              <a:t>const</a:t>
+            </a:r>
+            <a:r>
+              <a:rPr lang="en-US" dirty="0"/>
+              <a:t> /*</a:t>
+            </a:r>
+            <a:r>
+              <a:rPr lang="en-US" dirty="0" err="1"/>
+              <a:t>elem</a:t>
+            </a:r>
+            <a:r>
+              <a:rPr lang="en-US" dirty="0" smtClean="0"/>
+              <a:t>*/,</a:t>
+            </a:r>
+          </a:p>
+          <a:p>
+            <a:r>
+              <a:rPr lang="en-US" dirty="0" smtClean="0"/>
+              <a:t>    	</a:t>
+            </a:r>
+            <a:r>
+              <a:rPr lang="en-US" dirty="0" err="1" smtClean="0"/>
+              <a:t>const</a:t>
+            </a:r>
+            <a:r>
+              <a:rPr lang="en-US" dirty="0" smtClean="0"/>
+              <a:t> </a:t>
+            </a:r>
+            <a:r>
+              <a:rPr lang="en-US" dirty="0" err="1"/>
+              <a:t>std</a:t>
+            </a:r>
+            <a:r>
+              <a:rPr lang="en-US" dirty="0"/>
+              <a:t>::vector&lt;</a:t>
+            </a:r>
+            <a:r>
+              <a:rPr lang="en-US" dirty="0" err="1"/>
+              <a:t>const</a:t>
+            </a:r>
+            <a:r>
+              <a:rPr lang="en-US" dirty="0"/>
+              <a:t> </a:t>
+            </a:r>
+            <a:r>
+              <a:rPr lang="en-US" dirty="0" err="1"/>
+              <a:t>std</a:t>
+            </a:r>
+            <a:r>
+              <a:rPr lang="en-US" dirty="0"/>
+              <a:t>::vector&lt;double&gt;*&gt;&amp; /*</a:t>
+            </a:r>
+            <a:r>
+              <a:rPr lang="en-US" dirty="0" err="1"/>
+              <a:t>var_data</a:t>
+            </a:r>
+            <a:r>
+              <a:rPr lang="en-US" dirty="0" smtClean="0"/>
+              <a:t>*/,</a:t>
+            </a:r>
+          </a:p>
+          <a:p>
+            <a:r>
+              <a:rPr lang="en-US" dirty="0" smtClean="0"/>
+              <a:t>   	 </a:t>
+            </a:r>
+            <a:r>
+              <a:rPr lang="en-US" dirty="0" err="1"/>
+              <a:t>const</a:t>
+            </a:r>
+            <a:r>
+              <a:rPr lang="en-US" dirty="0"/>
+              <a:t> </a:t>
+            </a:r>
+            <a:r>
+              <a:rPr lang="en-US" dirty="0" err="1"/>
+              <a:t>std</a:t>
+            </a:r>
+            <a:r>
+              <a:rPr lang="en-US" dirty="0"/>
+              <a:t>::vector&lt;</a:t>
+            </a:r>
+            <a:r>
+              <a:rPr lang="en-US" dirty="0" err="1"/>
+              <a:t>const</a:t>
+            </a:r>
+            <a:r>
+              <a:rPr lang="en-US" dirty="0"/>
+              <a:t> </a:t>
+            </a:r>
+            <a:r>
+              <a:rPr lang="en-US" dirty="0" err="1"/>
+              <a:t>std</a:t>
+            </a:r>
+            <a:r>
+              <a:rPr lang="en-US" dirty="0"/>
+              <a:t>::vector&lt;</a:t>
+            </a:r>
+            <a:r>
+              <a:rPr lang="en-US" dirty="0" err="1"/>
+              <a:t>VectorValue</a:t>
+            </a:r>
+            <a:r>
+              <a:rPr lang="en-US" dirty="0"/>
+              <a:t>&lt;double&gt; &gt;*&gt;&amp; /*</a:t>
+            </a:r>
+            <a:r>
+              <a:rPr lang="en-US" dirty="0" err="1"/>
+              <a:t>grad_var_data</a:t>
+            </a:r>
+            <a:r>
+              <a:rPr lang="en-US" dirty="0" smtClean="0"/>
+              <a:t>*/,</a:t>
+            </a:r>
+          </a:p>
+          <a:p>
+            <a:r>
+              <a:rPr lang="en-US" dirty="0" smtClean="0"/>
+              <a:t>    	double </a:t>
+            </a:r>
+            <a:r>
+              <a:rPr lang="en-US" dirty="0"/>
+              <a:t>time</a:t>
+            </a:r>
+            <a:r>
+              <a:rPr lang="en-US" dirty="0" smtClean="0"/>
+              <a:t>,</a:t>
+            </a:r>
+          </a:p>
+          <a:p>
+            <a:r>
+              <a:rPr lang="en-US" dirty="0"/>
+              <a:t>	void* /*</a:t>
+            </a:r>
+            <a:r>
+              <a:rPr lang="en-US" dirty="0" err="1"/>
+              <a:t>ctx</a:t>
+            </a:r>
+            <a:r>
+              <a:rPr lang="en-US" dirty="0" smtClean="0"/>
+              <a:t>*/)</a:t>
+            </a:r>
+          </a:p>
+          <a:p>
+            <a:r>
+              <a:rPr lang="en-US" dirty="0" smtClean="0"/>
+              <a:t>{    </a:t>
+            </a:r>
+          </a:p>
+          <a:p>
+            <a:r>
+              <a:rPr lang="en-US" dirty="0" smtClean="0"/>
+              <a:t>	double </a:t>
+            </a:r>
+            <a:r>
+              <a:rPr lang="en-US" dirty="0"/>
+              <a:t>mu</a:t>
+            </a:r>
+            <a:r>
+              <a:rPr lang="en-US" dirty="0" smtClean="0"/>
+              <a:t>;</a:t>
+            </a:r>
+          </a:p>
+          <a:p>
+            <a:r>
+              <a:rPr lang="en-US" dirty="0" smtClean="0"/>
+              <a:t>    	double </a:t>
+            </a:r>
+            <a:r>
+              <a:rPr lang="en-US" dirty="0"/>
+              <a:t>beta</a:t>
+            </a:r>
+            <a:r>
+              <a:rPr lang="en-US" dirty="0" smtClean="0"/>
+              <a:t>;</a:t>
+            </a:r>
+          </a:p>
+          <a:p>
+            <a:r>
+              <a:rPr lang="en-US" dirty="0" smtClean="0"/>
+              <a:t>       	 </a:t>
+            </a:r>
+            <a:r>
+              <a:rPr lang="en-US" dirty="0"/>
+              <a:t>mu = </a:t>
+            </a:r>
+            <a:r>
+              <a:rPr lang="en-US" dirty="0" err="1"/>
+              <a:t>mu_stem</a:t>
+            </a:r>
+            <a:r>
+              <a:rPr lang="en-US" dirty="0" smtClean="0"/>
+              <a:t>;</a:t>
+            </a:r>
+          </a:p>
+          <a:p>
+            <a:r>
+              <a:rPr lang="en-US" dirty="0" smtClean="0"/>
+              <a:t>        	beta </a:t>
+            </a:r>
+            <a:r>
+              <a:rPr lang="en-US" dirty="0"/>
+              <a:t>= </a:t>
+            </a:r>
+            <a:r>
+              <a:rPr lang="en-US" dirty="0" err="1"/>
+              <a:t>beta_stem</a:t>
+            </a:r>
+            <a:r>
+              <a:rPr lang="en-US" dirty="0" smtClean="0"/>
+              <a:t>;</a:t>
+            </a:r>
+          </a:p>
+          <a:p>
+            <a:r>
+              <a:rPr lang="en-US" dirty="0"/>
+              <a:t>	</a:t>
+            </a:r>
+            <a:r>
+              <a:rPr lang="en-US" dirty="0" smtClean="0"/>
+              <a:t>PP </a:t>
+            </a:r>
+            <a:r>
+              <a:rPr lang="en-US" dirty="0"/>
+              <a:t>= (-1.0*(mu)+beta*log(</a:t>
+            </a:r>
+            <a:r>
+              <a:rPr lang="en-US" dirty="0" err="1"/>
+              <a:t>FF.det</a:t>
+            </a:r>
+            <a:r>
+              <a:rPr lang="en-US" dirty="0"/>
+              <a:t>()))*</a:t>
+            </a:r>
+            <a:r>
+              <a:rPr lang="en-US" dirty="0" err="1"/>
+              <a:t>tensor_inverse_transpose</a:t>
+            </a:r>
+            <a:r>
+              <a:rPr lang="en-US" dirty="0"/>
+              <a:t>(FF,NDIM</a:t>
+            </a:r>
+            <a:r>
+              <a:rPr lang="en-US" dirty="0" smtClean="0"/>
+              <a:t>);</a:t>
+            </a:r>
+          </a:p>
+          <a:p>
+            <a:r>
+              <a:rPr lang="en-US" dirty="0" smtClean="0"/>
+              <a:t>   	return;</a:t>
+            </a:r>
+          </a:p>
+          <a:p>
+            <a:r>
+              <a:rPr lang="en-US" dirty="0" smtClean="0"/>
+              <a:t>} </a:t>
+            </a:r>
+            <a:r>
+              <a:rPr lang="en-US" dirty="0"/>
+              <a:t>// PK1_dil_stress_function</a:t>
+            </a:r>
           </a:p>
         </p:txBody>
       </p:sp>
@@ -9454,10 +9511,10 @@
               <a:buChar char="●"/>
             </a:pPr>
             <a:r>
-              <a:rPr lang="en"/>
+              <a:rPr lang="en" dirty="0"/>
               <a:t>Create a plate in a 3D flow tank. </a:t>
             </a:r>
-            <a:endParaRPr/>
+            <a:endParaRPr dirty="0"/>
           </a:p>
           <a:p>
             <a:pPr marL="457200" lvl="0" indent="-342900" algn="l" rtl="0">
@@ -9471,10 +9528,10 @@
               <a:buChar char="●"/>
             </a:pPr>
             <a:r>
-              <a:rPr lang="en"/>
+              <a:rPr lang="en" dirty="0"/>
               <a:t>Let the plate be tethered along its centerline. </a:t>
             </a:r>
-            <a:endParaRPr/>
+            <a:endParaRPr dirty="0"/>
           </a:p>
           <a:p>
             <a:pPr marL="457200" lvl="0" indent="-342900" algn="l" rtl="0">
@@ -9488,69 +9545,29 @@
               <a:buChar char="●"/>
             </a:pPr>
             <a:r>
-              <a:rPr lang="en"/>
-              <a:t>Let the plate have 2 stiffnesses (middle half is different than ends).</a:t>
-            </a:r>
-            <a:endParaRPr/>
-          </a:p>
-          <a:p>
-            <a:pPr marL="457200" lvl="0" indent="-342900" algn="l" rtl="0">
-              <a:spcBef>
-                <a:spcPts val="0"/>
-              </a:spcBef>
-              <a:spcAft>
-                <a:spcPts val="0"/>
-              </a:spcAft>
-              <a:buSzPts val="1800"/>
-              <a:buChar char="●"/>
-            </a:pPr>
-            <a:r>
-              <a:rPr lang="en"/>
-              <a:t>Move the flow from left to right along x-axis.</a:t>
-            </a:r>
-            <a:endParaRPr/>
-          </a:p>
-        </p:txBody>
-      </p:sp>
-      <p:sp>
-        <p:nvSpPr>
-          <p:cNvPr id="62" name="Google Shape;62;p14"/>
-          <p:cNvSpPr txBox="1"/>
-          <p:nvPr/>
-        </p:nvSpPr>
-        <p:spPr>
-          <a:xfrm>
-            <a:off x="232125" y="4787125"/>
-            <a:ext cx="8600100" cy="776700"/>
-          </a:xfrm>
-          <a:prstGeom prst="rect">
-            <a:avLst/>
-          </a:prstGeom>
-          <a:noFill/>
-          <a:ln>
-            <a:noFill/>
-          </a:ln>
-        </p:spPr>
-        <p:txBody>
-          <a:bodyPr spcFirstLastPara="1" wrap="square" lIns="91425" tIns="91425" rIns="91425" bIns="91425" anchor="t" anchorCtr="0">
-            <a:noAutofit/>
-          </a:bodyPr>
-          <a:lstStyle/>
-          <a:p>
-            <a:pPr marL="0" lvl="0" indent="0" algn="l" rtl="0">
-              <a:spcBef>
-                <a:spcPts val="0"/>
-              </a:spcBef>
-              <a:spcAft>
-                <a:spcPts val="0"/>
-              </a:spcAft>
-              <a:buNone/>
-            </a:pPr>
-            <a:r>
-              <a:rPr lang="en"/>
-              <a:t>Download here: https://drive.google.com/open?id=0B4mLG2SPb-tbQkVXRkVxV05vZ00</a:t>
-            </a:r>
-            <a:endParaRPr/>
+              <a:rPr lang="en" dirty="0" smtClean="0"/>
+              <a:t>Move </a:t>
+            </a:r>
+            <a:r>
+              <a:rPr lang="en" dirty="0"/>
+              <a:t>the flow from left to right along x-axis</a:t>
+            </a:r>
+            <a:r>
+              <a:rPr lang="en" dirty="0" smtClean="0"/>
+              <a:t>.</a:t>
+            </a:r>
+          </a:p>
+          <a:p>
+            <a:pPr lvl="0"/>
+            <a:r>
+              <a:rPr lang="en" dirty="0" smtClean="0"/>
+              <a:t>See example </a:t>
+            </a:r>
+            <a:r>
+              <a:rPr lang="en-US" dirty="0" smtClean="0"/>
+              <a:t>3-IBFE-Example_FlowTank-MidPlate.</a:t>
+            </a:r>
+            <a:endParaRPr dirty="0"/>
           </a:p>
         </p:txBody>
       </p:sp>
@@ -9685,10 +9702,10 @@
               <a:buChar char="●"/>
             </a:pPr>
             <a:r>
-              <a:rPr lang="en" sz="2200"/>
+              <a:rPr lang="en" sz="2200" dirty="0"/>
               <a:t>In this example, the domain is 32x16x16 units.</a:t>
             </a:r>
-            <a:endParaRPr sz="2200"/>
+            <a:endParaRPr sz="2200" dirty="0"/>
           </a:p>
           <a:p>
             <a:pPr marL="457200" lvl="0" indent="-368300" algn="l" rtl="0">
@@ -9702,10 +9719,10 @@
               <a:buChar char="●"/>
             </a:pPr>
             <a:r>
-              <a:rPr lang="en" sz="2200"/>
+              <a:rPr lang="en" sz="2200" dirty="0"/>
               <a:t>The domain goes from -16&lt;x&lt;16, -8&lt;y&lt;8, -8&lt;z&lt;8.</a:t>
             </a:r>
-            <a:endParaRPr sz="2200"/>
+            <a:endParaRPr sz="2200" dirty="0"/>
           </a:p>
           <a:p>
             <a:pPr marL="457200" lvl="0" indent="-368300" algn="l" rtl="0">
@@ -9719,10 +9736,10 @@
               <a:buChar char="●"/>
             </a:pPr>
             <a:r>
-              <a:rPr lang="en" sz="2200"/>
+              <a:rPr lang="en" sz="2200" dirty="0"/>
               <a:t>dx = 16/256 = 0.0625.</a:t>
             </a:r>
-            <a:endParaRPr sz="2200"/>
+            <a:endParaRPr sz="2200" dirty="0"/>
           </a:p>
           <a:p>
             <a:pPr marL="457200" lvl="0" indent="-368300" algn="l" rtl="0">
@@ -9736,10 +9753,10 @@
               <a:buChar char="●"/>
             </a:pPr>
             <a:r>
-              <a:rPr lang="en" sz="2200"/>
+              <a:rPr lang="en" sz="2200" dirty="0"/>
               <a:t>Make a plate that is 0.125 x 2 x 2 units.</a:t>
             </a:r>
-            <a:endParaRPr sz="2200"/>
+            <a:endParaRPr sz="2200" dirty="0"/>
           </a:p>
           <a:p>
             <a:pPr marL="457200" lvl="0" indent="-368300" algn="l" rtl="0">
@@ -9753,10 +9770,10 @@
               <a:buChar char="●"/>
             </a:pPr>
             <a:r>
-              <a:rPr lang="en" sz="2200"/>
-              <a:t>Position the plate with center at origin, and then translate 7 units in the negative x-direction.</a:t>
-            </a:r>
-            <a:endParaRPr sz="2200"/>
+              <a:rPr lang="en" sz="2200" dirty="0" smtClean="0"/>
+              <a:t>Previously, we translated the plate to the left. That feature is not working as it used to in newer versions of IBAMR.</a:t>
+            </a:r>
+            <a:endParaRPr sz="2200" dirty="0"/>
           </a:p>
         </p:txBody>
       </p:sp>

--- a/IBFE Lectures/3-IBFE 3D Flow Past Objects.pptx
+++ b/IBFE Lectures/3-IBFE 3D Flow Past Objects.pptx
@@ -7726,8 +7726,16 @@
               <a:buNone/>
             </a:pPr>
             <a:r>
-              <a:rPr lang="en-US" sz="1600" dirty="0" err="1"/>
-              <a:t>voidtarget_force_function</a:t>
+              <a:rPr lang="en-US" sz="1600" dirty="0"/>
+              <a:t>v</a:t>
+            </a:r>
+            <a:r>
+              <a:rPr lang="en-US" sz="1600" dirty="0" smtClean="0"/>
+              <a:t>oid </a:t>
+            </a:r>
+            <a:r>
+              <a:rPr lang="en-US" sz="1600" dirty="0" err="1" smtClean="0"/>
+              <a:t>target_force_function</a:t>
             </a:r>
             <a:r>
               <a:rPr lang="en-US" sz="1600" dirty="0"/>
@@ -9720,7 +9728,23 @@
             </a:pPr>
             <a:r>
               <a:rPr lang="en" sz="2200" dirty="0"/>
-              <a:t>The domain goes from -16&lt;x&lt;16, -8&lt;y&lt;8, -8&lt;z&lt;8.</a:t>
+              <a:t>The domain goes from </a:t>
+            </a:r>
+            <a:r>
+              <a:rPr lang="en" sz="2200" dirty="0" smtClean="0"/>
+              <a:t>-</a:t>
+            </a:r>
+            <a:r>
+              <a:rPr lang="en" sz="2200" dirty="0" smtClean="0"/>
+              <a:t>8</a:t>
+            </a:r>
+            <a:r>
+              <a:rPr lang="en" sz="2200" dirty="0" smtClean="0"/>
+              <a:t>&lt;x&lt;24, </a:t>
+            </a:r>
+            <a:r>
+              <a:rPr lang="en" sz="2200" dirty="0"/>
+              <a:t>-8&lt;y&lt;8, -8&lt;z&lt;8.</a:t>
             </a:r>
             <a:endParaRPr sz="2200" dirty="0"/>
           </a:p>
